--- a/ISD_Management_of_Judicial_System_P2.pptx
+++ b/ISD_Management_of_Judicial_System_P2.pptx
@@ -5,10 +5,10 @@
     <p:sldMasterId id="2147483768" r:id="rId1"/>
   </p:sldMasterIdLst>
   <p:notesMasterIdLst>
-    <p:notesMasterId r:id="rId20"/>
+    <p:notesMasterId r:id="rId23"/>
   </p:notesMasterIdLst>
   <p:handoutMasterIdLst>
-    <p:handoutMasterId r:id="rId21"/>
+    <p:handoutMasterId r:id="rId24"/>
   </p:handoutMasterIdLst>
   <p:sldIdLst>
     <p:sldId id="256" r:id="rId2"/>
@@ -29,6 +29,9 @@
     <p:sldId id="286" r:id="rId17"/>
     <p:sldId id="279" r:id="rId18"/>
     <p:sldId id="269" r:id="rId19"/>
+    <p:sldId id="288" r:id="rId20"/>
+    <p:sldId id="289" r:id="rId21"/>
+    <p:sldId id="290" r:id="rId22"/>
   </p:sldIdLst>
   <p:sldSz cx="9144000" cy="6858000" type="screen4x3"/>
   <p:notesSz cx="6858000" cy="9144000"/>
@@ -212,7 +215,7 @@
           <a:p>
             <a:fld id="{824341C3-6F5F-4E79-9ED8-9B4F302FC7AE}" type="datetimeFigureOut">
               <a:rPr lang="en-US" smtClean="0"/>
-              <a:t>1/26/2014</a:t>
+              <a:t>2/9/2014</a:t>
             </a:fld>
             <a:endParaRPr lang="en-US"/>
           </a:p>
@@ -378,7 +381,7 @@
           <a:p>
             <a:fld id="{5C7085F1-5A6F-437C-8A43-4D007CC73C4D}" type="datetimeFigureOut">
               <a:rPr lang="en-US" smtClean="0"/>
-              <a:t>1/26/2014</a:t>
+              <a:t>2/9/2014</a:t>
             </a:fld>
             <a:endParaRPr lang="en-US"/>
           </a:p>
@@ -1854,7 +1857,7 @@
           <a:p>
             <a:fld id="{9D4B1B46-2A4C-4DCD-8F81-3CCA9F1DC7E8}" type="datetime1">
               <a:rPr lang="en-US" smtClean="0"/>
-              <a:t>1/26/2014</a:t>
+              <a:t>2/9/2014</a:t>
             </a:fld>
             <a:endParaRPr lang="en-US"/>
           </a:p>
@@ -2077,7 +2080,7 @@
           <a:p>
             <a:fld id="{6CD363B7-8D5D-4AEE-A74D-2C82B94025D1}" type="datetime1">
               <a:rPr lang="en-US" smtClean="0"/>
-              <a:t>1/26/2014</a:t>
+              <a:t>2/9/2014</a:t>
             </a:fld>
             <a:endParaRPr lang="en-US"/>
           </a:p>
@@ -2357,7 +2360,7 @@
           <a:p>
             <a:fld id="{AC900255-7609-4F9A-9AF1-2A199231DA48}" type="datetime1">
               <a:rPr lang="en-US" smtClean="0"/>
-              <a:t>1/26/2014</a:t>
+              <a:t>2/9/2014</a:t>
             </a:fld>
             <a:endParaRPr lang="en-US"/>
           </a:p>
@@ -2536,7 +2539,7 @@
           <a:p>
             <a:fld id="{543822CC-ECEB-4F2D-BB62-198C571F9D16}" type="datetime1">
               <a:rPr lang="en-US" smtClean="0"/>
-              <a:t>1/26/2014</a:t>
+              <a:t>2/9/2014</a:t>
             </a:fld>
             <a:endParaRPr lang="en-US"/>
           </a:p>
@@ -2894,7 +2897,7 @@
           <a:p>
             <a:fld id="{0B444C43-1132-4E57-A879-6964F16115A3}" type="datetime1">
               <a:rPr lang="en-US" smtClean="0"/>
-              <a:t>1/26/2014</a:t>
+              <a:t>2/9/2014</a:t>
             </a:fld>
             <a:endParaRPr lang="en-US"/>
           </a:p>
@@ -3181,7 +3184,7 @@
           <a:p>
             <a:fld id="{1C48ACD2-507B-4AA7-A0A8-6F020EAEC995}" type="datetime1">
               <a:rPr lang="en-US" smtClean="0"/>
-              <a:t>1/26/2014</a:t>
+              <a:t>2/9/2014</a:t>
             </a:fld>
             <a:endParaRPr lang="en-US"/>
           </a:p>
@@ -3603,7 +3606,7 @@
           <a:p>
             <a:fld id="{BEE451B9-F405-44FE-AE6F-65C638F95C9F}" type="datetime1">
               <a:rPr lang="en-US" smtClean="0"/>
-              <a:t>1/26/2014</a:t>
+              <a:t>2/9/2014</a:t>
             </a:fld>
             <a:endParaRPr lang="en-US"/>
           </a:p>
@@ -3718,7 +3721,7 @@
           <a:p>
             <a:fld id="{806F2A9D-2EE5-4C4B-BD53-C97C1497BFDE}" type="datetime1">
               <a:rPr lang="en-US" smtClean="0"/>
-              <a:t>1/26/2014</a:t>
+              <a:t>2/9/2014</a:t>
             </a:fld>
             <a:endParaRPr lang="en-US"/>
           </a:p>
@@ -3808,7 +3811,7 @@
           <a:p>
             <a:fld id="{7B9F26B0-EAEF-40CB-88A3-42AB7E03E815}" type="datetime1">
               <a:rPr lang="en-US" smtClean="0"/>
-              <a:t>1/26/2014</a:t>
+              <a:t>2/9/2014</a:t>
             </a:fld>
             <a:endParaRPr lang="en-US"/>
           </a:p>
@@ -4086,7 +4089,7 @@
           <a:p>
             <a:fld id="{7DA66467-9999-4C58-89D2-B0AF7F4536B2}" type="datetime1">
               <a:rPr lang="en-US" smtClean="0"/>
-              <a:t>1/26/2014</a:t>
+              <a:t>2/9/2014</a:t>
             </a:fld>
             <a:endParaRPr lang="en-US"/>
           </a:p>
@@ -4452,7 +4455,7 @@
           <a:p>
             <a:fld id="{1D08589B-9237-492B-B939-927E80899282}" type="datetime1">
               <a:rPr lang="en-US" smtClean="0"/>
-              <a:t>1/26/2014</a:t>
+              <a:t>2/9/2014</a:t>
             </a:fld>
             <a:endParaRPr lang="en-US"/>
           </a:p>
@@ -4889,7 +4892,7 @@
           <a:p>
             <a:fld id="{A7DA8190-D771-419D-B4BB-839C2027510B}" type="datetime1">
               <a:rPr lang="en-US" smtClean="0"/>
-              <a:t>1/26/2014</a:t>
+              <a:t>2/9/2014</a:t>
             </a:fld>
             <a:endParaRPr lang="en-US"/>
           </a:p>
@@ -15854,6 +15857,997 @@
 </p:sld>
 </file>
 
+<file path=ppt/slides/slide19.xml><?xml version="1.0" encoding="utf-8"?>
+<p:sld xmlns:a="http://schemas.openxmlformats.org/drawingml/2006/main" xmlns:r="http://schemas.openxmlformats.org/officeDocument/2006/relationships" xmlns:p="http://schemas.openxmlformats.org/presentationml/2006/main">
+  <p:cSld>
+    <p:spTree>
+      <p:nvGrpSpPr>
+        <p:cNvPr id="1" name=""/>
+        <p:cNvGrpSpPr/>
+        <p:nvPr/>
+      </p:nvGrpSpPr>
+      <p:grpSpPr>
+        <a:xfrm>
+          <a:off x="0" y="0"/>
+          <a:ext cx="0" cy="0"/>
+          <a:chOff x="0" y="0"/>
+          <a:chExt cx="0" cy="0"/>
+        </a:xfrm>
+      </p:grpSpPr>
+      <p:sp>
+        <p:nvSpPr>
+          <p:cNvPr id="41" name="Rounded Rectangle 40"/>
+          <p:cNvSpPr/>
+          <p:nvPr/>
+        </p:nvSpPr>
+        <p:spPr>
+          <a:xfrm>
+            <a:off x="228599" y="304800"/>
+            <a:ext cx="7162801" cy="838200"/>
+          </a:xfrm>
+          <a:prstGeom prst="roundRect">
+            <a:avLst/>
+          </a:prstGeom>
+        </p:spPr>
+        <p:style>
+          <a:lnRef idx="1">
+            <a:schemeClr val="accent2"/>
+          </a:lnRef>
+          <a:fillRef idx="2">
+            <a:schemeClr val="accent2"/>
+          </a:fillRef>
+          <a:effectRef idx="1">
+            <a:schemeClr val="accent2"/>
+          </a:effectRef>
+          <a:fontRef idx="minor">
+            <a:schemeClr val="dk1"/>
+          </a:fontRef>
+        </p:style>
+        <p:txBody>
+          <a:bodyPr rtlCol="0" anchor="ctr">
+            <a:scene3d>
+              <a:camera prst="orthographicFront"/>
+              <a:lightRig rig="glow" dir="tl">
+                <a:rot lat="0" lon="0" rev="5400000"/>
+              </a:lightRig>
+            </a:scene3d>
+            <a:sp3d contourW="12700">
+              <a:bevelT w="25400" h="25400"/>
+              <a:contourClr>
+                <a:schemeClr val="accent6">
+                  <a:shade val="73000"/>
+                </a:schemeClr>
+              </a:contourClr>
+            </a:sp3d>
+          </a:bodyPr>
+          <a:lstStyle/>
+          <a:p>
+            <a:r>
+              <a:rPr lang="en-US" sz="3200" b="1" dirty="0" smtClean="0">
+                <a:ln w="11430"/>
+                <a:gradFill>
+                  <a:gsLst>
+                    <a:gs pos="0">
+                      <a:schemeClr val="accent6">
+                        <a:tint val="90000"/>
+                        <a:satMod val="120000"/>
+                      </a:schemeClr>
+                    </a:gs>
+                    <a:gs pos="25000">
+                      <a:schemeClr val="accent6">
+                        <a:tint val="93000"/>
+                        <a:satMod val="120000"/>
+                      </a:schemeClr>
+                    </a:gs>
+                    <a:gs pos="50000">
+                      <a:schemeClr val="accent6">
+                        <a:shade val="89000"/>
+                        <a:satMod val="110000"/>
+                      </a:schemeClr>
+                    </a:gs>
+                    <a:gs pos="75000">
+                      <a:schemeClr val="accent6">
+                        <a:tint val="93000"/>
+                        <a:satMod val="120000"/>
+                      </a:schemeClr>
+                    </a:gs>
+                    <a:gs pos="100000">
+                      <a:schemeClr val="accent6">
+                        <a:tint val="90000"/>
+                        <a:satMod val="120000"/>
+                      </a:schemeClr>
+                    </a:gs>
+                  </a:gsLst>
+                  <a:lin ang="5400000"/>
+                </a:gradFill>
+                <a:effectLst>
+                  <a:outerShdw blurRad="80000" dist="40000" dir="5040000" algn="tl">
+                    <a:srgbClr val="000000">
+                      <a:alpha val="30000"/>
+                    </a:srgbClr>
+                  </a:outerShdw>
+                </a:effectLst>
+              </a:rPr>
+              <a:t>Feasibility Analysis: Technical</a:t>
+            </a:r>
+            <a:endParaRPr lang="en-US" sz="3600" b="1" dirty="0">
+              <a:ln w="11430"/>
+              <a:gradFill>
+                <a:gsLst>
+                  <a:gs pos="0">
+                    <a:schemeClr val="accent6">
+                      <a:tint val="90000"/>
+                      <a:satMod val="120000"/>
+                    </a:schemeClr>
+                  </a:gs>
+                  <a:gs pos="25000">
+                    <a:schemeClr val="accent6">
+                      <a:tint val="93000"/>
+                      <a:satMod val="120000"/>
+                    </a:schemeClr>
+                  </a:gs>
+                  <a:gs pos="50000">
+                    <a:schemeClr val="accent6">
+                      <a:shade val="89000"/>
+                      <a:satMod val="110000"/>
+                    </a:schemeClr>
+                  </a:gs>
+                  <a:gs pos="75000">
+                    <a:schemeClr val="accent6">
+                      <a:tint val="93000"/>
+                      <a:satMod val="120000"/>
+                    </a:schemeClr>
+                  </a:gs>
+                  <a:gs pos="100000">
+                    <a:schemeClr val="accent6">
+                      <a:tint val="90000"/>
+                      <a:satMod val="120000"/>
+                    </a:schemeClr>
+                  </a:gs>
+                </a:gsLst>
+                <a:lin ang="5400000"/>
+              </a:gradFill>
+              <a:effectLst>
+                <a:outerShdw blurRad="80000" dist="40000" dir="5040000" algn="tl">
+                  <a:srgbClr val="000000">
+                    <a:alpha val="30000"/>
+                  </a:srgbClr>
+                </a:outerShdw>
+              </a:effectLst>
+            </a:endParaRPr>
+          </a:p>
+        </p:txBody>
+      </p:sp>
+      <p:pic>
+        <p:nvPicPr>
+          <p:cNvPr id="42" name="Picture 2" descr="D:\Rakinsfiles\rakin's L-3 T-1\Software\LAB_ISD\Photos\Supreme Court of Bangladesh.jpg"/>
+          <p:cNvPicPr>
+            <a:picLocks noChangeAspect="1" noChangeArrowheads="1"/>
+          </p:cNvPicPr>
+          <p:nvPr/>
+        </p:nvPicPr>
+        <p:blipFill>
+          <a:blip r:embed="rId2" cstate="print">
+            <a:extLst>
+              <a:ext uri="{28A0092B-C50C-407E-A947-70E740481C1C}">
+                <a14:useLocalDpi xmlns:a14="http://schemas.microsoft.com/office/drawing/2010/main" val="0"/>
+              </a:ext>
+            </a:extLst>
+          </a:blip>
+          <a:srcRect/>
+          <a:stretch>
+            <a:fillRect/>
+          </a:stretch>
+        </p:blipFill>
+        <p:spPr bwMode="auto">
+          <a:xfrm>
+            <a:off x="7391400" y="212491"/>
+            <a:ext cx="1461167" cy="1022817"/>
+          </a:xfrm>
+          <a:prstGeom prst="ellipse">
+            <a:avLst/>
+          </a:prstGeom>
+          <a:ln>
+            <a:noFill/>
+          </a:ln>
+          <a:effectLst>
+            <a:softEdge rad="112500"/>
+          </a:effectLst>
+          <a:extLst>
+            <a:ext uri="{909E8E84-426E-40DD-AFC4-6F175D3DCCD1}">
+              <a14:hiddenFill xmlns:a14="http://schemas.microsoft.com/office/drawing/2010/main">
+                <a:solidFill>
+                  <a:srgbClr val="FFFFFF"/>
+                </a:solidFill>
+              </a14:hiddenFill>
+            </a:ext>
+          </a:extLst>
+        </p:spPr>
+      </p:pic>
+      <p:sp>
+        <p:nvSpPr>
+          <p:cNvPr id="43" name="Slide Number Placeholder 3"/>
+          <p:cNvSpPr>
+            <a:spLocks noGrp="1"/>
+          </p:cNvSpPr>
+          <p:nvPr>
+            <p:ph type="sldNum" sz="quarter" idx="12"/>
+          </p:nvPr>
+        </p:nvSpPr>
+        <p:spPr>
+          <a:xfrm>
+            <a:off x="8121983" y="990600"/>
+            <a:ext cx="893649" cy="495299"/>
+          </a:xfrm>
+        </p:spPr>
+        <p:txBody>
+          <a:bodyPr>
+            <a:scene3d>
+              <a:camera prst="orthographicFront">
+                <a:rot lat="0" lon="0" rev="0"/>
+              </a:camera>
+              <a:lightRig rig="contrasting" dir="t">
+                <a:rot lat="0" lon="0" rev="4500000"/>
+              </a:lightRig>
+            </a:scene3d>
+            <a:sp3d contourW="6350" prstMaterial="metal">
+              <a:bevelT w="127000" h="31750" prst="relaxedInset"/>
+              <a:contourClr>
+                <a:schemeClr val="accent1">
+                  <a:shade val="75000"/>
+                </a:schemeClr>
+              </a:contourClr>
+            </a:sp3d>
+          </a:bodyPr>
+          <a:lstStyle/>
+          <a:p>
+            <a:fld id="{D787AFA1-61CC-4523-8BB5-29B4479E0D14}" type="slidenum">
+              <a:rPr lang="en-US" sz="3600" cap="all" smtClean="0">
+                <a:ln w="0"/>
+                <a:gradFill flip="none">
+                  <a:gsLst>
+                    <a:gs pos="0">
+                      <a:schemeClr val="accent1">
+                        <a:tint val="75000"/>
+                        <a:shade val="75000"/>
+                        <a:satMod val="170000"/>
+                      </a:schemeClr>
+                    </a:gs>
+                    <a:gs pos="49000">
+                      <a:schemeClr val="accent1">
+                        <a:tint val="88000"/>
+                        <a:shade val="65000"/>
+                        <a:satMod val="172000"/>
+                      </a:schemeClr>
+                    </a:gs>
+                    <a:gs pos="50000">
+                      <a:schemeClr val="accent1">
+                        <a:shade val="65000"/>
+                        <a:satMod val="130000"/>
+                      </a:schemeClr>
+                    </a:gs>
+                    <a:gs pos="92000">
+                      <a:schemeClr val="accent1">
+                        <a:shade val="50000"/>
+                        <a:satMod val="120000"/>
+                      </a:schemeClr>
+                    </a:gs>
+                    <a:gs pos="100000">
+                      <a:schemeClr val="accent1">
+                        <a:shade val="48000"/>
+                        <a:satMod val="120000"/>
+                      </a:schemeClr>
+                    </a:gs>
+                  </a:gsLst>
+                  <a:lin ang="5400000"/>
+                </a:gradFill>
+                <a:effectLst>
+                  <a:reflection blurRad="12700" stA="50000" endPos="50000" dist="5000" dir="5400000" sy="-100000" rotWithShape="0"/>
+                </a:effectLst>
+              </a:rPr>
+              <a:pPr/>
+              <a:t>19</a:t>
+            </a:fld>
+            <a:endParaRPr lang="en-US" sz="3600" cap="all" dirty="0">
+              <a:ln w="0"/>
+              <a:gradFill flip="none">
+                <a:gsLst>
+                  <a:gs pos="0">
+                    <a:schemeClr val="accent1">
+                      <a:tint val="75000"/>
+                      <a:shade val="75000"/>
+                      <a:satMod val="170000"/>
+                    </a:schemeClr>
+                  </a:gs>
+                  <a:gs pos="49000">
+                    <a:schemeClr val="accent1">
+                      <a:tint val="88000"/>
+                      <a:shade val="65000"/>
+                      <a:satMod val="172000"/>
+                    </a:schemeClr>
+                  </a:gs>
+                  <a:gs pos="50000">
+                    <a:schemeClr val="accent1">
+                      <a:shade val="65000"/>
+                      <a:satMod val="130000"/>
+                    </a:schemeClr>
+                  </a:gs>
+                  <a:gs pos="92000">
+                    <a:schemeClr val="accent1">
+                      <a:shade val="50000"/>
+                      <a:satMod val="120000"/>
+                    </a:schemeClr>
+                  </a:gs>
+                  <a:gs pos="100000">
+                    <a:schemeClr val="accent1">
+                      <a:shade val="48000"/>
+                      <a:satMod val="120000"/>
+                    </a:schemeClr>
+                  </a:gs>
+                </a:gsLst>
+                <a:lin ang="5400000"/>
+              </a:gradFill>
+              <a:effectLst>
+                <a:reflection blurRad="12700" stA="50000" endPos="50000" dist="5000" dir="5400000" sy="-100000" rotWithShape="0"/>
+              </a:effectLst>
+            </a:endParaRPr>
+          </a:p>
+        </p:txBody>
+      </p:sp>
+      <p:sp>
+        <p:nvSpPr>
+          <p:cNvPr id="2" name="TextBox 1"/>
+          <p:cNvSpPr txBox="1"/>
+          <p:nvPr/>
+        </p:nvSpPr>
+        <p:spPr>
+          <a:xfrm>
+            <a:off x="0" y="2209800"/>
+            <a:ext cx="9144000" cy="3477875"/>
+          </a:xfrm>
+          <a:prstGeom prst="rect">
+            <a:avLst/>
+          </a:prstGeom>
+          <a:noFill/>
+        </p:spPr>
+        <p:txBody>
+          <a:bodyPr wrap="square" rtlCol="0">
+            <a:spAutoFit/>
+            <a:scene3d>
+              <a:camera prst="orthographicFront">
+                <a:rot lat="0" lon="0" rev="0"/>
+              </a:camera>
+              <a:lightRig rig="contrasting" dir="t">
+                <a:rot lat="0" lon="0" rev="4500000"/>
+              </a:lightRig>
+            </a:scene3d>
+            <a:sp3d contourW="6350" prstMaterial="metal">
+              <a:bevelT w="127000" h="31750" prst="relaxedInset"/>
+              <a:contourClr>
+                <a:schemeClr val="accent1">
+                  <a:shade val="75000"/>
+                </a:schemeClr>
+              </a:contourClr>
+            </a:sp3d>
+          </a:bodyPr>
+          <a:lstStyle/>
+          <a:p>
+            <a:pPr algn="ctr"/>
+            <a:r>
+              <a:rPr lang="en-US" sz="4400" b="1" cap="all" dirty="0" smtClean="0">
+                <a:ln w="0"/>
+                <a:solidFill>
+                  <a:schemeClr val="accent6">
+                    <a:lumMod val="75000"/>
+                  </a:schemeClr>
+                </a:solidFill>
+                <a:effectLst>
+                  <a:reflection blurRad="12700" stA="50000" endPos="50000" dist="5000" dir="5400000" sy="-100000" rotWithShape="0"/>
+                </a:effectLst>
+              </a:rPr>
+              <a:t>SIX </a:t>
+            </a:r>
+            <a:r>
+              <a:rPr lang="en-US" sz="4400" b="1" cap="all" dirty="0" smtClean="0">
+                <a:ln w="0"/>
+                <a:gradFill flip="none">
+                  <a:gsLst>
+                    <a:gs pos="0">
+                      <a:schemeClr val="accent1">
+                        <a:tint val="75000"/>
+                        <a:shade val="75000"/>
+                        <a:satMod val="170000"/>
+                      </a:schemeClr>
+                    </a:gs>
+                    <a:gs pos="49000">
+                      <a:schemeClr val="accent1">
+                        <a:tint val="88000"/>
+                        <a:shade val="65000"/>
+                        <a:satMod val="172000"/>
+                      </a:schemeClr>
+                    </a:gs>
+                    <a:gs pos="50000">
+                      <a:schemeClr val="accent1">
+                        <a:shade val="65000"/>
+                        <a:satMod val="130000"/>
+                      </a:schemeClr>
+                    </a:gs>
+                    <a:gs pos="92000">
+                      <a:schemeClr val="accent1">
+                        <a:shade val="50000"/>
+                        <a:satMod val="120000"/>
+                      </a:schemeClr>
+                    </a:gs>
+                    <a:gs pos="100000">
+                      <a:schemeClr val="accent1">
+                        <a:shade val="48000"/>
+                        <a:satMod val="120000"/>
+                      </a:schemeClr>
+                    </a:gs>
+                  </a:gsLst>
+                  <a:lin ang="5400000"/>
+                </a:gradFill>
+                <a:effectLst>
+                  <a:reflection blurRad="12700" stA="50000" endPos="50000" dist="5000" dir="5400000" sy="-100000" rotWithShape="0"/>
+                </a:effectLst>
+              </a:rPr>
+              <a:t>Desktop </a:t>
+            </a:r>
+            <a:r>
+              <a:rPr lang="en-US" sz="4400" b="1" cap="all" dirty="0" smtClean="0">
+                <a:ln w="0"/>
+                <a:gradFill flip="none">
+                  <a:gsLst>
+                    <a:gs pos="0">
+                      <a:schemeClr val="accent1">
+                        <a:tint val="75000"/>
+                        <a:shade val="75000"/>
+                        <a:satMod val="170000"/>
+                      </a:schemeClr>
+                    </a:gs>
+                    <a:gs pos="49000">
+                      <a:schemeClr val="accent1">
+                        <a:tint val="88000"/>
+                        <a:shade val="65000"/>
+                        <a:satMod val="172000"/>
+                      </a:schemeClr>
+                    </a:gs>
+                    <a:gs pos="50000">
+                      <a:schemeClr val="accent1">
+                        <a:shade val="65000"/>
+                        <a:satMod val="130000"/>
+                      </a:schemeClr>
+                    </a:gs>
+                    <a:gs pos="92000">
+                      <a:schemeClr val="accent1">
+                        <a:shade val="50000"/>
+                        <a:satMod val="120000"/>
+                      </a:schemeClr>
+                    </a:gs>
+                    <a:gs pos="100000">
+                      <a:schemeClr val="accent1">
+                        <a:shade val="48000"/>
+                        <a:satMod val="120000"/>
+                      </a:schemeClr>
+                    </a:gs>
+                  </a:gsLst>
+                  <a:lin ang="5400000"/>
+                </a:gradFill>
+                <a:effectLst>
+                  <a:reflection blurRad="12700" stA="50000" endPos="50000" dist="5000" dir="5400000" sy="-100000" rotWithShape="0"/>
+                </a:effectLst>
+              </a:rPr>
+              <a:t>Application </a:t>
+            </a:r>
+            <a:r>
+              <a:rPr lang="en-US" sz="4400" b="1" cap="all" dirty="0" smtClean="0">
+                <a:ln w="0"/>
+                <a:solidFill>
+                  <a:schemeClr val="accent5">
+                    <a:lumMod val="75000"/>
+                  </a:schemeClr>
+                </a:solidFill>
+                <a:effectLst>
+                  <a:reflection blurRad="12700" stA="50000" endPos="50000" dist="5000" dir="5400000" sy="-100000" rotWithShape="0"/>
+                </a:effectLst>
+              </a:rPr>
+              <a:t>=&gt;</a:t>
+            </a:r>
+            <a:r>
+              <a:rPr lang="en-US" sz="4400" b="1" cap="all" dirty="0" smtClean="0">
+                <a:ln w="0"/>
+                <a:gradFill flip="none">
+                  <a:gsLst>
+                    <a:gs pos="0">
+                      <a:schemeClr val="accent1">
+                        <a:tint val="75000"/>
+                        <a:shade val="75000"/>
+                        <a:satMod val="170000"/>
+                      </a:schemeClr>
+                    </a:gs>
+                    <a:gs pos="49000">
+                      <a:schemeClr val="accent1">
+                        <a:tint val="88000"/>
+                        <a:shade val="65000"/>
+                        <a:satMod val="172000"/>
+                      </a:schemeClr>
+                    </a:gs>
+                    <a:gs pos="50000">
+                      <a:schemeClr val="accent1">
+                        <a:shade val="65000"/>
+                        <a:satMod val="130000"/>
+                      </a:schemeClr>
+                    </a:gs>
+                    <a:gs pos="92000">
+                      <a:schemeClr val="accent1">
+                        <a:shade val="50000"/>
+                        <a:satMod val="120000"/>
+                      </a:schemeClr>
+                    </a:gs>
+                    <a:gs pos="100000">
+                      <a:schemeClr val="accent1">
+                        <a:shade val="48000"/>
+                        <a:satMod val="120000"/>
+                      </a:schemeClr>
+                    </a:gs>
+                  </a:gsLst>
+                  <a:lin ang="5400000"/>
+                </a:gradFill>
+                <a:effectLst>
+                  <a:reflection blurRad="12700" stA="50000" endPos="50000" dist="5000" dir="5400000" sy="-100000" rotWithShape="0"/>
+                </a:effectLst>
+              </a:rPr>
+              <a:t> </a:t>
+            </a:r>
+            <a:r>
+              <a:rPr lang="en-US" sz="4400" b="1" cap="all" dirty="0" smtClean="0">
+                <a:ln w="0"/>
+                <a:solidFill>
+                  <a:schemeClr val="accent3">
+                    <a:lumMod val="50000"/>
+                  </a:schemeClr>
+                </a:solidFill>
+                <a:effectLst>
+                  <a:reflection blurRad="12700" stA="50000" endPos="50000" dist="5000" dir="5400000" sy="-100000" rotWithShape="0"/>
+                </a:effectLst>
+              </a:rPr>
+              <a:t>Java</a:t>
+            </a:r>
+          </a:p>
+          <a:p>
+            <a:pPr algn="ctr"/>
+            <a:endParaRPr lang="en-US" sz="4400" b="1" cap="all" dirty="0" smtClean="0">
+              <a:ln w="0"/>
+              <a:solidFill>
+                <a:schemeClr val="accent3">
+                  <a:lumMod val="50000"/>
+                </a:schemeClr>
+              </a:solidFill>
+              <a:effectLst>
+                <a:reflection blurRad="12700" stA="50000" endPos="50000" dist="5000" dir="5400000" sy="-100000" rotWithShape="0"/>
+              </a:effectLst>
+            </a:endParaRPr>
+          </a:p>
+          <a:p>
+            <a:pPr algn="ctr"/>
+            <a:endParaRPr lang="en-US" sz="4400" b="1" cap="all" dirty="0" smtClean="0">
+              <a:ln w="0"/>
+              <a:gradFill flip="none">
+                <a:gsLst>
+                  <a:gs pos="0">
+                    <a:schemeClr val="accent1">
+                      <a:tint val="75000"/>
+                      <a:shade val="75000"/>
+                      <a:satMod val="170000"/>
+                    </a:schemeClr>
+                  </a:gs>
+                  <a:gs pos="49000">
+                    <a:schemeClr val="accent1">
+                      <a:tint val="88000"/>
+                      <a:shade val="65000"/>
+                      <a:satMod val="172000"/>
+                    </a:schemeClr>
+                  </a:gs>
+                  <a:gs pos="50000">
+                    <a:schemeClr val="accent1">
+                      <a:shade val="65000"/>
+                      <a:satMod val="130000"/>
+                    </a:schemeClr>
+                  </a:gs>
+                  <a:gs pos="92000">
+                    <a:schemeClr val="accent1">
+                      <a:shade val="50000"/>
+                      <a:satMod val="120000"/>
+                    </a:schemeClr>
+                  </a:gs>
+                  <a:gs pos="100000">
+                    <a:schemeClr val="accent1">
+                      <a:shade val="48000"/>
+                      <a:satMod val="120000"/>
+                    </a:schemeClr>
+                  </a:gs>
+                </a:gsLst>
+                <a:lin ang="5400000"/>
+              </a:gradFill>
+              <a:effectLst>
+                <a:reflection blurRad="12700" stA="50000" endPos="50000" dist="5000" dir="5400000" sy="-100000" rotWithShape="0"/>
+              </a:effectLst>
+            </a:endParaRPr>
+          </a:p>
+          <a:p>
+            <a:pPr algn="ctr"/>
+            <a:r>
+              <a:rPr lang="en-US" sz="4400" b="1" cap="all" dirty="0" smtClean="0">
+                <a:ln w="0"/>
+                <a:solidFill>
+                  <a:schemeClr val="accent6">
+                    <a:lumMod val="75000"/>
+                  </a:schemeClr>
+                </a:solidFill>
+                <a:effectLst>
+                  <a:reflection blurRad="12700" stA="50000" endPos="50000" dist="5000" dir="5400000" sy="-100000" rotWithShape="0"/>
+                </a:effectLst>
+              </a:rPr>
+              <a:t>One </a:t>
+            </a:r>
+            <a:r>
+              <a:rPr lang="en-US" sz="4400" b="1" cap="all" dirty="0" smtClean="0">
+                <a:ln w="0"/>
+                <a:gradFill flip="none">
+                  <a:gsLst>
+                    <a:gs pos="0">
+                      <a:schemeClr val="accent1">
+                        <a:tint val="75000"/>
+                        <a:shade val="75000"/>
+                        <a:satMod val="170000"/>
+                      </a:schemeClr>
+                    </a:gs>
+                    <a:gs pos="49000">
+                      <a:schemeClr val="accent1">
+                        <a:tint val="88000"/>
+                        <a:shade val="65000"/>
+                        <a:satMod val="172000"/>
+                      </a:schemeClr>
+                    </a:gs>
+                    <a:gs pos="50000">
+                      <a:schemeClr val="accent1">
+                        <a:shade val="65000"/>
+                        <a:satMod val="130000"/>
+                      </a:schemeClr>
+                    </a:gs>
+                    <a:gs pos="92000">
+                      <a:schemeClr val="accent1">
+                        <a:shade val="50000"/>
+                        <a:satMod val="120000"/>
+                      </a:schemeClr>
+                    </a:gs>
+                    <a:gs pos="100000">
+                      <a:schemeClr val="accent1">
+                        <a:shade val="48000"/>
+                        <a:satMod val="120000"/>
+                      </a:schemeClr>
+                    </a:gs>
+                  </a:gsLst>
+                  <a:lin ang="5400000"/>
+                </a:gradFill>
+                <a:effectLst>
+                  <a:reflection blurRad="12700" stA="50000" endPos="50000" dist="5000" dir="5400000" sy="-100000" rotWithShape="0"/>
+                </a:effectLst>
+              </a:rPr>
+              <a:t>Web Interface </a:t>
+            </a:r>
+            <a:r>
+              <a:rPr lang="en-US" sz="4400" b="1" cap="all" dirty="0" smtClean="0">
+                <a:ln w="0"/>
+                <a:solidFill>
+                  <a:schemeClr val="accent5">
+                    <a:lumMod val="75000"/>
+                  </a:schemeClr>
+                </a:solidFill>
+                <a:effectLst>
+                  <a:reflection blurRad="12700" stA="50000" endPos="50000" dist="5000" dir="5400000" sy="-100000" rotWithShape="0"/>
+                </a:effectLst>
+              </a:rPr>
+              <a:t>=&gt;</a:t>
+            </a:r>
+            <a:r>
+              <a:rPr lang="en-US" sz="4400" b="1" cap="all" dirty="0" smtClean="0">
+                <a:ln w="0"/>
+                <a:gradFill flip="none">
+                  <a:gsLst>
+                    <a:gs pos="0">
+                      <a:schemeClr val="accent1">
+                        <a:tint val="75000"/>
+                        <a:shade val="75000"/>
+                        <a:satMod val="170000"/>
+                      </a:schemeClr>
+                    </a:gs>
+                    <a:gs pos="49000">
+                      <a:schemeClr val="accent1">
+                        <a:tint val="88000"/>
+                        <a:shade val="65000"/>
+                        <a:satMod val="172000"/>
+                      </a:schemeClr>
+                    </a:gs>
+                    <a:gs pos="50000">
+                      <a:schemeClr val="accent1">
+                        <a:shade val="65000"/>
+                        <a:satMod val="130000"/>
+                      </a:schemeClr>
+                    </a:gs>
+                    <a:gs pos="92000">
+                      <a:schemeClr val="accent1">
+                        <a:shade val="50000"/>
+                        <a:satMod val="120000"/>
+                      </a:schemeClr>
+                    </a:gs>
+                    <a:gs pos="100000">
+                      <a:schemeClr val="accent1">
+                        <a:shade val="48000"/>
+                        <a:satMod val="120000"/>
+                      </a:schemeClr>
+                    </a:gs>
+                  </a:gsLst>
+                  <a:lin ang="5400000"/>
+                </a:gradFill>
+                <a:effectLst>
+                  <a:reflection blurRad="12700" stA="50000" endPos="50000" dist="5000" dir="5400000" sy="-100000" rotWithShape="0"/>
+                </a:effectLst>
+              </a:rPr>
+              <a:t> </a:t>
+            </a:r>
+            <a:r>
+              <a:rPr lang="en-US" sz="4400" b="1" cap="all" dirty="0" smtClean="0">
+                <a:ln w="0"/>
+                <a:solidFill>
+                  <a:schemeClr val="accent3">
+                    <a:lumMod val="50000"/>
+                  </a:schemeClr>
+                </a:solidFill>
+                <a:effectLst>
+                  <a:reflection blurRad="12700" stA="50000" endPos="50000" dist="5000" dir="5400000" sy="-100000" rotWithShape="0"/>
+                </a:effectLst>
+              </a:rPr>
+              <a:t>PHP FW</a:t>
+            </a:r>
+            <a:endParaRPr lang="en-US" sz="4400" b="1" cap="all" dirty="0">
+              <a:ln w="0"/>
+              <a:solidFill>
+                <a:schemeClr val="accent3">
+                  <a:lumMod val="50000"/>
+                </a:schemeClr>
+              </a:solidFill>
+              <a:effectLst>
+                <a:reflection blurRad="12700" stA="50000" endPos="50000" dist="5000" dir="5400000" sy="-100000" rotWithShape="0"/>
+              </a:effectLst>
+            </a:endParaRPr>
+          </a:p>
+        </p:txBody>
+      </p:sp>
+    </p:spTree>
+    <p:extLst>
+      <p:ext uri="{BB962C8B-B14F-4D97-AF65-F5344CB8AC3E}">
+        <p14:creationId xmlns:p14="http://schemas.microsoft.com/office/powerpoint/2010/main" val="4177450965"/>
+      </p:ext>
+    </p:extLst>
+  </p:cSld>
+  <p:clrMapOvr>
+    <a:masterClrMapping/>
+  </p:clrMapOvr>
+  <mc:AlternateContent xmlns:mc="http://schemas.openxmlformats.org/markup-compatibility/2006" xmlns:p14="http://schemas.microsoft.com/office/powerpoint/2010/main">
+    <mc:Choice Requires="p14">
+      <p:transition spd="slow" p14:dur="1500">
+        <p14:ripple dir="ld"/>
+      </p:transition>
+    </mc:Choice>
+    <mc:Fallback xmlns="">
+      <p:transition spd="slow">
+        <p:fade/>
+      </p:transition>
+    </mc:Fallback>
+  </mc:AlternateContent>
+  <p:timing>
+    <p:tnLst>
+      <p:par>
+        <p:cTn id="1" dur="indefinite" restart="never" nodeType="tmRoot">
+          <p:childTnLst>
+            <p:seq concurrent="1" nextAc="seek">
+              <p:cTn id="2" dur="indefinite" nodeType="mainSeq">
+                <p:childTnLst>
+                  <p:par>
+                    <p:cTn id="3" fill="hold">
+                      <p:stCondLst>
+                        <p:cond delay="indefinite"/>
+                        <p:cond evt="onBegin" delay="0">
+                          <p:tn val="2"/>
+                        </p:cond>
+                      </p:stCondLst>
+                      <p:childTnLst>
+                        <p:par>
+                          <p:cTn id="4" fill="hold">
+                            <p:stCondLst>
+                              <p:cond delay="0"/>
+                            </p:stCondLst>
+                            <p:childTnLst>
+                              <p:par>
+                                <p:cTn id="5" presetID="41" presetClass="entr" presetSubtype="0" fill="hold" grpId="0" nodeType="afterEffect">
+                                  <p:stCondLst>
+                                    <p:cond delay="0"/>
+                                  </p:stCondLst>
+                                  <p:iterate type="lt">
+                                    <p:tmPct val="10000"/>
+                                  </p:iterate>
+                                  <p:childTnLst>
+                                    <p:set>
+                                      <p:cBhvr>
+                                        <p:cTn id="6" dur="1" fill="hold">
+                                          <p:stCondLst>
+                                            <p:cond delay="0"/>
+                                          </p:stCondLst>
+                                        </p:cTn>
+                                        <p:tgtEl>
+                                          <p:spTgt spid="2"/>
+                                        </p:tgtEl>
+                                        <p:attrNameLst>
+                                          <p:attrName>style.visibility</p:attrName>
+                                        </p:attrNameLst>
+                                      </p:cBhvr>
+                                      <p:to>
+                                        <p:strVal val="visible"/>
+                                      </p:to>
+                                    </p:set>
+                                    <p:anim calcmode="lin" valueType="num">
+                                      <p:cBhvr>
+                                        <p:cTn id="7" dur="500" fill="hold"/>
+                                        <p:tgtEl>
+                                          <p:spTgt spid="2"/>
+                                        </p:tgtEl>
+                                        <p:attrNameLst>
+                                          <p:attrName>ppt_x</p:attrName>
+                                        </p:attrNameLst>
+                                      </p:cBhvr>
+                                      <p:tavLst>
+                                        <p:tav tm="0">
+                                          <p:val>
+                                            <p:strVal val="#ppt_x"/>
+                                          </p:val>
+                                        </p:tav>
+                                        <p:tav tm="50000">
+                                          <p:val>
+                                            <p:strVal val="#ppt_x+.1"/>
+                                          </p:val>
+                                        </p:tav>
+                                        <p:tav tm="100000">
+                                          <p:val>
+                                            <p:strVal val="#ppt_x"/>
+                                          </p:val>
+                                        </p:tav>
+                                      </p:tavLst>
+                                    </p:anim>
+                                    <p:anim calcmode="lin" valueType="num">
+                                      <p:cBhvr>
+                                        <p:cTn id="8" dur="500" fill="hold"/>
+                                        <p:tgtEl>
+                                          <p:spTgt spid="2"/>
+                                        </p:tgtEl>
+                                        <p:attrNameLst>
+                                          <p:attrName>ppt_y</p:attrName>
+                                        </p:attrNameLst>
+                                      </p:cBhvr>
+                                      <p:tavLst>
+                                        <p:tav tm="0">
+                                          <p:val>
+                                            <p:strVal val="#ppt_y"/>
+                                          </p:val>
+                                        </p:tav>
+                                        <p:tav tm="100000">
+                                          <p:val>
+                                            <p:strVal val="#ppt_y"/>
+                                          </p:val>
+                                        </p:tav>
+                                      </p:tavLst>
+                                    </p:anim>
+                                    <p:anim calcmode="lin" valueType="num">
+                                      <p:cBhvr>
+                                        <p:cTn id="9" dur="500" fill="hold"/>
+                                        <p:tgtEl>
+                                          <p:spTgt spid="2"/>
+                                        </p:tgtEl>
+                                        <p:attrNameLst>
+                                          <p:attrName>ppt_h</p:attrName>
+                                        </p:attrNameLst>
+                                      </p:cBhvr>
+                                      <p:tavLst>
+                                        <p:tav tm="0">
+                                          <p:val>
+                                            <p:strVal val="#ppt_h/10"/>
+                                          </p:val>
+                                        </p:tav>
+                                        <p:tav tm="50000">
+                                          <p:val>
+                                            <p:strVal val="#ppt_h+.01"/>
+                                          </p:val>
+                                        </p:tav>
+                                        <p:tav tm="100000">
+                                          <p:val>
+                                            <p:strVal val="#ppt_h"/>
+                                          </p:val>
+                                        </p:tav>
+                                      </p:tavLst>
+                                    </p:anim>
+                                    <p:anim calcmode="lin" valueType="num">
+                                      <p:cBhvr>
+                                        <p:cTn id="10" dur="500" fill="hold"/>
+                                        <p:tgtEl>
+                                          <p:spTgt spid="2"/>
+                                        </p:tgtEl>
+                                        <p:attrNameLst>
+                                          <p:attrName>ppt_w</p:attrName>
+                                        </p:attrNameLst>
+                                      </p:cBhvr>
+                                      <p:tavLst>
+                                        <p:tav tm="0">
+                                          <p:val>
+                                            <p:strVal val="#ppt_w/10"/>
+                                          </p:val>
+                                        </p:tav>
+                                        <p:tav tm="50000">
+                                          <p:val>
+                                            <p:strVal val="#ppt_w+.01"/>
+                                          </p:val>
+                                        </p:tav>
+                                        <p:tav tm="100000">
+                                          <p:val>
+                                            <p:strVal val="#ppt_w"/>
+                                          </p:val>
+                                        </p:tav>
+                                      </p:tavLst>
+                                    </p:anim>
+                                    <p:animEffect transition="in" filter="fade">
+                                      <p:cBhvr>
+                                        <p:cTn id="11" dur="500" tmFilter="0,0; .5, 1; 1, 1"/>
+                                        <p:tgtEl>
+                                          <p:spTgt spid="2"/>
+                                        </p:tgtEl>
+                                      </p:cBhvr>
+                                    </p:animEffect>
+                                  </p:childTnLst>
+                                </p:cTn>
+                              </p:par>
+                            </p:childTnLst>
+                          </p:cTn>
+                        </p:par>
+                      </p:childTnLst>
+                    </p:cTn>
+                  </p:par>
+                </p:childTnLst>
+              </p:cTn>
+              <p:prevCondLst>
+                <p:cond evt="onPrev" delay="0">
+                  <p:tgtEl>
+                    <p:sldTgt/>
+                  </p:tgtEl>
+                </p:cond>
+              </p:prevCondLst>
+              <p:nextCondLst>
+                <p:cond evt="onNext" delay="0">
+                  <p:tgtEl>
+                    <p:sldTgt/>
+                  </p:tgtEl>
+                </p:cond>
+              </p:nextCondLst>
+            </p:seq>
+          </p:childTnLst>
+        </p:cTn>
+      </p:par>
+    </p:tnLst>
+    <p:bldLst>
+      <p:bldP spid="2" grpId="0"/>
+    </p:bldLst>
+  </p:timing>
+</p:sld>
+</file>
+
 <file path=ppt/slides/slide2.xml><?xml version="1.0" encoding="utf-8"?>
 <p:sld xmlns:a="http://schemas.openxmlformats.org/drawingml/2006/main" xmlns:r="http://schemas.openxmlformats.org/officeDocument/2006/relationships" xmlns:p="http://schemas.openxmlformats.org/presentationml/2006/main">
   <p:cSld>
@@ -16192,6 +17186,1996 @@
   <p:clrMapOvr>
     <a:masterClrMapping/>
   </p:clrMapOvr>
+  <p:timing>
+    <p:tnLst>
+      <p:par>
+        <p:cTn id="1" dur="indefinite" restart="never" nodeType="tmRoot"/>
+      </p:par>
+    </p:tnLst>
+  </p:timing>
+</p:sld>
+</file>
+
+<file path=ppt/slides/slide20.xml><?xml version="1.0" encoding="utf-8"?>
+<p:sld xmlns:a="http://schemas.openxmlformats.org/drawingml/2006/main" xmlns:r="http://schemas.openxmlformats.org/officeDocument/2006/relationships" xmlns:p="http://schemas.openxmlformats.org/presentationml/2006/main">
+  <p:cSld>
+    <p:spTree>
+      <p:nvGrpSpPr>
+        <p:cNvPr id="1" name=""/>
+        <p:cNvGrpSpPr/>
+        <p:nvPr/>
+      </p:nvGrpSpPr>
+      <p:grpSpPr>
+        <a:xfrm>
+          <a:off x="0" y="0"/>
+          <a:ext cx="0" cy="0"/>
+          <a:chOff x="0" y="0"/>
+          <a:chExt cx="0" cy="0"/>
+        </a:xfrm>
+      </p:grpSpPr>
+      <p:sp>
+        <p:nvSpPr>
+          <p:cNvPr id="41" name="Rounded Rectangle 40"/>
+          <p:cNvSpPr/>
+          <p:nvPr/>
+        </p:nvSpPr>
+        <p:spPr>
+          <a:xfrm>
+            <a:off x="228599" y="304800"/>
+            <a:ext cx="7162801" cy="838200"/>
+          </a:xfrm>
+          <a:prstGeom prst="roundRect">
+            <a:avLst/>
+          </a:prstGeom>
+        </p:spPr>
+        <p:style>
+          <a:lnRef idx="1">
+            <a:schemeClr val="accent2"/>
+          </a:lnRef>
+          <a:fillRef idx="2">
+            <a:schemeClr val="accent2"/>
+          </a:fillRef>
+          <a:effectRef idx="1">
+            <a:schemeClr val="accent2"/>
+          </a:effectRef>
+          <a:fontRef idx="minor">
+            <a:schemeClr val="dk1"/>
+          </a:fontRef>
+        </p:style>
+        <p:txBody>
+          <a:bodyPr rtlCol="0" anchor="ctr">
+            <a:scene3d>
+              <a:camera prst="orthographicFront"/>
+              <a:lightRig rig="glow" dir="tl">
+                <a:rot lat="0" lon="0" rev="5400000"/>
+              </a:lightRig>
+            </a:scene3d>
+            <a:sp3d contourW="12700">
+              <a:bevelT w="25400" h="25400"/>
+              <a:contourClr>
+                <a:schemeClr val="accent6">
+                  <a:shade val="73000"/>
+                </a:schemeClr>
+              </a:contourClr>
+            </a:sp3d>
+          </a:bodyPr>
+          <a:lstStyle/>
+          <a:p>
+            <a:r>
+              <a:rPr lang="en-US" sz="2800" b="1" dirty="0" smtClean="0">
+                <a:ln w="11430"/>
+                <a:gradFill>
+                  <a:gsLst>
+                    <a:gs pos="0">
+                      <a:schemeClr val="accent6">
+                        <a:tint val="90000"/>
+                        <a:satMod val="120000"/>
+                      </a:schemeClr>
+                    </a:gs>
+                    <a:gs pos="25000">
+                      <a:schemeClr val="accent6">
+                        <a:tint val="93000"/>
+                        <a:satMod val="120000"/>
+                      </a:schemeClr>
+                    </a:gs>
+                    <a:gs pos="50000">
+                      <a:schemeClr val="accent6">
+                        <a:shade val="89000"/>
+                        <a:satMod val="110000"/>
+                      </a:schemeClr>
+                    </a:gs>
+                    <a:gs pos="75000">
+                      <a:schemeClr val="accent6">
+                        <a:tint val="93000"/>
+                        <a:satMod val="120000"/>
+                      </a:schemeClr>
+                    </a:gs>
+                    <a:gs pos="100000">
+                      <a:schemeClr val="accent6">
+                        <a:tint val="90000"/>
+                        <a:satMod val="120000"/>
+                      </a:schemeClr>
+                    </a:gs>
+                  </a:gsLst>
+                  <a:lin ang="5400000"/>
+                </a:gradFill>
+                <a:effectLst>
+                  <a:outerShdw blurRad="80000" dist="40000" dir="5040000" algn="tl">
+                    <a:srgbClr val="000000">
+                      <a:alpha val="30000"/>
+                    </a:srgbClr>
+                  </a:outerShdw>
+                </a:effectLst>
+              </a:rPr>
+              <a:t>Feasibility Analysis: Technical</a:t>
+            </a:r>
+            <a:endParaRPr lang="en-US" sz="3200" b="1" dirty="0">
+              <a:ln w="11430"/>
+              <a:gradFill>
+                <a:gsLst>
+                  <a:gs pos="0">
+                    <a:schemeClr val="accent6">
+                      <a:tint val="90000"/>
+                      <a:satMod val="120000"/>
+                    </a:schemeClr>
+                  </a:gs>
+                  <a:gs pos="25000">
+                    <a:schemeClr val="accent6">
+                      <a:tint val="93000"/>
+                      <a:satMod val="120000"/>
+                    </a:schemeClr>
+                  </a:gs>
+                  <a:gs pos="50000">
+                    <a:schemeClr val="accent6">
+                      <a:shade val="89000"/>
+                      <a:satMod val="110000"/>
+                    </a:schemeClr>
+                  </a:gs>
+                  <a:gs pos="75000">
+                    <a:schemeClr val="accent6">
+                      <a:tint val="93000"/>
+                      <a:satMod val="120000"/>
+                    </a:schemeClr>
+                  </a:gs>
+                  <a:gs pos="100000">
+                    <a:schemeClr val="accent6">
+                      <a:tint val="90000"/>
+                      <a:satMod val="120000"/>
+                    </a:schemeClr>
+                  </a:gs>
+                </a:gsLst>
+                <a:lin ang="5400000"/>
+              </a:gradFill>
+              <a:effectLst>
+                <a:outerShdw blurRad="80000" dist="40000" dir="5040000" algn="tl">
+                  <a:srgbClr val="000000">
+                    <a:alpha val="30000"/>
+                  </a:srgbClr>
+                </a:outerShdw>
+              </a:effectLst>
+            </a:endParaRPr>
+          </a:p>
+        </p:txBody>
+      </p:sp>
+      <p:pic>
+        <p:nvPicPr>
+          <p:cNvPr id="42" name="Picture 2" descr="D:\Rakinsfiles\rakin's L-3 T-1\Software\LAB_ISD\Photos\Supreme Court of Bangladesh.jpg"/>
+          <p:cNvPicPr>
+            <a:picLocks noChangeAspect="1" noChangeArrowheads="1"/>
+          </p:cNvPicPr>
+          <p:nvPr/>
+        </p:nvPicPr>
+        <p:blipFill>
+          <a:blip r:embed="rId2" cstate="print">
+            <a:extLst>
+              <a:ext uri="{28A0092B-C50C-407E-A947-70E740481C1C}">
+                <a14:useLocalDpi xmlns:a14="http://schemas.microsoft.com/office/drawing/2010/main" val="0"/>
+              </a:ext>
+            </a:extLst>
+          </a:blip>
+          <a:srcRect/>
+          <a:stretch>
+            <a:fillRect/>
+          </a:stretch>
+        </p:blipFill>
+        <p:spPr bwMode="auto">
+          <a:xfrm>
+            <a:off x="7391400" y="212491"/>
+            <a:ext cx="1461167" cy="1022817"/>
+          </a:xfrm>
+          <a:prstGeom prst="ellipse">
+            <a:avLst/>
+          </a:prstGeom>
+          <a:ln>
+            <a:noFill/>
+          </a:ln>
+          <a:effectLst>
+            <a:softEdge rad="112500"/>
+          </a:effectLst>
+          <a:extLst>
+            <a:ext uri="{909E8E84-426E-40DD-AFC4-6F175D3DCCD1}">
+              <a14:hiddenFill xmlns:a14="http://schemas.microsoft.com/office/drawing/2010/main">
+                <a:solidFill>
+                  <a:srgbClr val="FFFFFF"/>
+                </a:solidFill>
+              </a14:hiddenFill>
+            </a:ext>
+          </a:extLst>
+        </p:spPr>
+      </p:pic>
+      <p:sp>
+        <p:nvSpPr>
+          <p:cNvPr id="43" name="Slide Number Placeholder 3"/>
+          <p:cNvSpPr>
+            <a:spLocks noGrp="1"/>
+          </p:cNvSpPr>
+          <p:nvPr>
+            <p:ph type="sldNum" sz="quarter" idx="12"/>
+          </p:nvPr>
+        </p:nvSpPr>
+        <p:spPr>
+          <a:xfrm>
+            <a:off x="8121983" y="990600"/>
+            <a:ext cx="893649" cy="495299"/>
+          </a:xfrm>
+        </p:spPr>
+        <p:txBody>
+          <a:bodyPr>
+            <a:scene3d>
+              <a:camera prst="orthographicFront">
+                <a:rot lat="0" lon="0" rev="0"/>
+              </a:camera>
+              <a:lightRig rig="contrasting" dir="t">
+                <a:rot lat="0" lon="0" rev="4500000"/>
+              </a:lightRig>
+            </a:scene3d>
+            <a:sp3d contourW="6350" prstMaterial="metal">
+              <a:bevelT w="127000" h="31750" prst="relaxedInset"/>
+              <a:contourClr>
+                <a:schemeClr val="accent1">
+                  <a:shade val="75000"/>
+                </a:schemeClr>
+              </a:contourClr>
+            </a:sp3d>
+          </a:bodyPr>
+          <a:lstStyle/>
+          <a:p>
+            <a:fld id="{D787AFA1-61CC-4523-8BB5-29B4479E0D14}" type="slidenum">
+              <a:rPr lang="en-US" sz="3600" cap="all" smtClean="0">
+                <a:ln w="0"/>
+                <a:gradFill flip="none">
+                  <a:gsLst>
+                    <a:gs pos="0">
+                      <a:schemeClr val="accent1">
+                        <a:tint val="75000"/>
+                        <a:shade val="75000"/>
+                        <a:satMod val="170000"/>
+                      </a:schemeClr>
+                    </a:gs>
+                    <a:gs pos="49000">
+                      <a:schemeClr val="accent1">
+                        <a:tint val="88000"/>
+                        <a:shade val="65000"/>
+                        <a:satMod val="172000"/>
+                      </a:schemeClr>
+                    </a:gs>
+                    <a:gs pos="50000">
+                      <a:schemeClr val="accent1">
+                        <a:shade val="65000"/>
+                        <a:satMod val="130000"/>
+                      </a:schemeClr>
+                    </a:gs>
+                    <a:gs pos="92000">
+                      <a:schemeClr val="accent1">
+                        <a:shade val="50000"/>
+                        <a:satMod val="120000"/>
+                      </a:schemeClr>
+                    </a:gs>
+                    <a:gs pos="100000">
+                      <a:schemeClr val="accent1">
+                        <a:shade val="48000"/>
+                        <a:satMod val="120000"/>
+                      </a:schemeClr>
+                    </a:gs>
+                  </a:gsLst>
+                  <a:lin ang="5400000"/>
+                </a:gradFill>
+                <a:effectLst>
+                  <a:reflection blurRad="12700" stA="50000" endPos="50000" dist="5000" dir="5400000" sy="-100000" rotWithShape="0"/>
+                </a:effectLst>
+              </a:rPr>
+              <a:pPr/>
+              <a:t>20</a:t>
+            </a:fld>
+            <a:endParaRPr lang="en-US" sz="3600" cap="all" dirty="0">
+              <a:ln w="0"/>
+              <a:gradFill flip="none">
+                <a:gsLst>
+                  <a:gs pos="0">
+                    <a:schemeClr val="accent1">
+                      <a:tint val="75000"/>
+                      <a:shade val="75000"/>
+                      <a:satMod val="170000"/>
+                    </a:schemeClr>
+                  </a:gs>
+                  <a:gs pos="49000">
+                    <a:schemeClr val="accent1">
+                      <a:tint val="88000"/>
+                      <a:shade val="65000"/>
+                      <a:satMod val="172000"/>
+                    </a:schemeClr>
+                  </a:gs>
+                  <a:gs pos="50000">
+                    <a:schemeClr val="accent1">
+                      <a:shade val="65000"/>
+                      <a:satMod val="130000"/>
+                    </a:schemeClr>
+                  </a:gs>
+                  <a:gs pos="92000">
+                    <a:schemeClr val="accent1">
+                      <a:shade val="50000"/>
+                      <a:satMod val="120000"/>
+                    </a:schemeClr>
+                  </a:gs>
+                  <a:gs pos="100000">
+                    <a:schemeClr val="accent1">
+                      <a:shade val="48000"/>
+                      <a:satMod val="120000"/>
+                    </a:schemeClr>
+                  </a:gs>
+                </a:gsLst>
+                <a:lin ang="5400000"/>
+              </a:gradFill>
+              <a:effectLst>
+                <a:reflection blurRad="12700" stA="50000" endPos="50000" dist="5000" dir="5400000" sy="-100000" rotWithShape="0"/>
+              </a:effectLst>
+            </a:endParaRPr>
+          </a:p>
+        </p:txBody>
+      </p:sp>
+      <p:sp>
+        <p:nvSpPr>
+          <p:cNvPr id="2" name="TextBox 1"/>
+          <p:cNvSpPr txBox="1"/>
+          <p:nvPr/>
+        </p:nvSpPr>
+        <p:spPr>
+          <a:xfrm>
+            <a:off x="304799" y="1143000"/>
+            <a:ext cx="6096001" cy="523220"/>
+          </a:xfrm>
+          <a:prstGeom prst="rect">
+            <a:avLst/>
+          </a:prstGeom>
+          <a:noFill/>
+        </p:spPr>
+        <p:txBody>
+          <a:bodyPr wrap="square" rtlCol="0">
+            <a:spAutoFit/>
+            <a:scene3d>
+              <a:camera prst="orthographicFront">
+                <a:rot lat="0" lon="0" rev="0"/>
+              </a:camera>
+              <a:lightRig rig="contrasting" dir="t">
+                <a:rot lat="0" lon="0" rev="4500000"/>
+              </a:lightRig>
+            </a:scene3d>
+            <a:sp3d contourW="6350" prstMaterial="metal">
+              <a:bevelT w="127000" h="31750" prst="relaxedInset"/>
+              <a:contourClr>
+                <a:schemeClr val="accent1">
+                  <a:shade val="75000"/>
+                </a:schemeClr>
+              </a:contourClr>
+            </a:sp3d>
+          </a:bodyPr>
+          <a:lstStyle/>
+          <a:p>
+            <a:r>
+              <a:rPr lang="en-US" sz="2800" b="1" cap="all" dirty="0" smtClean="0">
+                <a:ln w="0"/>
+                <a:solidFill>
+                  <a:srgbClr val="C00000"/>
+                </a:solidFill>
+                <a:effectLst>
+                  <a:reflection blurRad="12700" stA="50000" endPos="50000" dist="5000" dir="5400000" sy="-100000" rotWithShape="0"/>
+                </a:effectLst>
+              </a:rPr>
+              <a:t>SIX</a:t>
+            </a:r>
+            <a:r>
+              <a:rPr lang="en-US" sz="2800" b="1" cap="all" dirty="0" smtClean="0">
+                <a:ln w="0"/>
+                <a:gradFill flip="none">
+                  <a:gsLst>
+                    <a:gs pos="0">
+                      <a:schemeClr val="accent1">
+                        <a:tint val="75000"/>
+                        <a:shade val="75000"/>
+                        <a:satMod val="170000"/>
+                      </a:schemeClr>
+                    </a:gs>
+                    <a:gs pos="49000">
+                      <a:schemeClr val="accent1">
+                        <a:tint val="88000"/>
+                        <a:shade val="65000"/>
+                        <a:satMod val="172000"/>
+                      </a:schemeClr>
+                    </a:gs>
+                    <a:gs pos="50000">
+                      <a:schemeClr val="accent1">
+                        <a:shade val="65000"/>
+                        <a:satMod val="130000"/>
+                      </a:schemeClr>
+                    </a:gs>
+                    <a:gs pos="92000">
+                      <a:schemeClr val="accent1">
+                        <a:shade val="50000"/>
+                        <a:satMod val="120000"/>
+                      </a:schemeClr>
+                    </a:gs>
+                    <a:gs pos="100000">
+                      <a:schemeClr val="accent1">
+                        <a:shade val="48000"/>
+                        <a:satMod val="120000"/>
+                      </a:schemeClr>
+                    </a:gs>
+                  </a:gsLst>
+                  <a:lin ang="5400000"/>
+                </a:gradFill>
+                <a:effectLst>
+                  <a:reflection blurRad="12700" stA="50000" endPos="50000" dist="5000" dir="5400000" sy="-100000" rotWithShape="0"/>
+                </a:effectLst>
+              </a:rPr>
+              <a:t> Desktop </a:t>
+            </a:r>
+            <a:r>
+              <a:rPr lang="en-US" sz="2800" b="1" cap="all" dirty="0" smtClean="0">
+                <a:ln w="0"/>
+                <a:gradFill flip="none">
+                  <a:gsLst>
+                    <a:gs pos="0">
+                      <a:schemeClr val="accent1">
+                        <a:tint val="75000"/>
+                        <a:shade val="75000"/>
+                        <a:satMod val="170000"/>
+                      </a:schemeClr>
+                    </a:gs>
+                    <a:gs pos="49000">
+                      <a:schemeClr val="accent1">
+                        <a:tint val="88000"/>
+                        <a:shade val="65000"/>
+                        <a:satMod val="172000"/>
+                      </a:schemeClr>
+                    </a:gs>
+                    <a:gs pos="50000">
+                      <a:schemeClr val="accent1">
+                        <a:shade val="65000"/>
+                        <a:satMod val="130000"/>
+                      </a:schemeClr>
+                    </a:gs>
+                    <a:gs pos="92000">
+                      <a:schemeClr val="accent1">
+                        <a:shade val="50000"/>
+                        <a:satMod val="120000"/>
+                      </a:schemeClr>
+                    </a:gs>
+                    <a:gs pos="100000">
+                      <a:schemeClr val="accent1">
+                        <a:shade val="48000"/>
+                        <a:satMod val="120000"/>
+                      </a:schemeClr>
+                    </a:gs>
+                  </a:gsLst>
+                  <a:lin ang="5400000"/>
+                </a:gradFill>
+                <a:effectLst>
+                  <a:reflection blurRad="12700" stA="50000" endPos="50000" dist="5000" dir="5400000" sy="-100000" rotWithShape="0"/>
+                </a:effectLst>
+              </a:rPr>
+              <a:t>Application:</a:t>
+            </a:r>
+            <a:endParaRPr lang="en-US" sz="2800" b="1" cap="all" dirty="0">
+              <a:ln w="0"/>
+              <a:gradFill flip="none">
+                <a:gsLst>
+                  <a:gs pos="0">
+                    <a:schemeClr val="accent1">
+                      <a:tint val="75000"/>
+                      <a:shade val="75000"/>
+                      <a:satMod val="170000"/>
+                    </a:schemeClr>
+                  </a:gs>
+                  <a:gs pos="49000">
+                    <a:schemeClr val="accent1">
+                      <a:tint val="88000"/>
+                      <a:shade val="65000"/>
+                      <a:satMod val="172000"/>
+                    </a:schemeClr>
+                  </a:gs>
+                  <a:gs pos="50000">
+                    <a:schemeClr val="accent1">
+                      <a:shade val="65000"/>
+                      <a:satMod val="130000"/>
+                    </a:schemeClr>
+                  </a:gs>
+                  <a:gs pos="92000">
+                    <a:schemeClr val="accent1">
+                      <a:shade val="50000"/>
+                      <a:satMod val="120000"/>
+                    </a:schemeClr>
+                  </a:gs>
+                  <a:gs pos="100000">
+                    <a:schemeClr val="accent1">
+                      <a:shade val="48000"/>
+                      <a:satMod val="120000"/>
+                    </a:schemeClr>
+                  </a:gs>
+                </a:gsLst>
+                <a:lin ang="5400000"/>
+              </a:gradFill>
+              <a:effectLst>
+                <a:reflection blurRad="12700" stA="50000" endPos="50000" dist="5000" dir="5400000" sy="-100000" rotWithShape="0"/>
+              </a:effectLst>
+            </a:endParaRPr>
+          </a:p>
+        </p:txBody>
+      </p:sp>
+      <p:graphicFrame>
+        <p:nvGraphicFramePr>
+          <p:cNvPr id="3" name="Table 2"/>
+          <p:cNvGraphicFramePr>
+            <a:graphicFrameLocks noGrp="1"/>
+          </p:cNvGraphicFramePr>
+          <p:nvPr>
+            <p:extLst>
+              <p:ext uri="{D42A27DB-BD31-4B8C-83A1-F6EECF244321}">
+                <p14:modId xmlns:p14="http://schemas.microsoft.com/office/powerpoint/2010/main" val="3921069324"/>
+              </p:ext>
+            </p:extLst>
+          </p:nvPr>
+        </p:nvGraphicFramePr>
+        <p:xfrm>
+          <a:off x="457198" y="1676400"/>
+          <a:ext cx="8395368" cy="5002163"/>
+        </p:xfrm>
+        <a:graphic>
+          <a:graphicData uri="http://schemas.openxmlformats.org/drawingml/2006/table">
+            <a:tbl>
+              <a:tblPr firstRow="1" bandRow="1">
+                <a:tableStyleId>{284E427A-3D55-4303-BF80-6455036E1DE7}</a:tableStyleId>
+              </a:tblPr>
+              <a:tblGrid>
+                <a:gridCol w="2798456"/>
+                <a:gridCol w="2798456"/>
+                <a:gridCol w="2798456"/>
+              </a:tblGrid>
+              <a:tr h="371337">
+                <a:tc>
+                  <a:txBody>
+                    <a:bodyPr/>
+                    <a:lstStyle/>
+                    <a:p>
+                      <a:pPr algn="ctr"/>
+                      <a:r>
+                        <a:rPr lang="en-US" sz="2000" b="1" dirty="0" smtClean="0">
+                          <a:solidFill>
+                            <a:schemeClr val="bg2">
+                              <a:lumMod val="25000"/>
+                            </a:schemeClr>
+                          </a:solidFill>
+                          <a:effectLst>
+                            <a:outerShdw blurRad="38100" dist="38100" dir="2700000" algn="tl">
+                              <a:srgbClr val="000000">
+                                <a:alpha val="43137"/>
+                              </a:srgbClr>
+                            </a:outerShdw>
+                          </a:effectLst>
+                        </a:rPr>
+                        <a:t>App Name</a:t>
+                      </a:r>
+                      <a:endParaRPr lang="en-US" sz="2000" b="1" dirty="0">
+                        <a:solidFill>
+                          <a:schemeClr val="bg2">
+                            <a:lumMod val="25000"/>
+                          </a:schemeClr>
+                        </a:solidFill>
+                        <a:effectLst>
+                          <a:outerShdw blurRad="38100" dist="38100" dir="2700000" algn="tl">
+                            <a:srgbClr val="000000">
+                              <a:alpha val="43137"/>
+                            </a:srgbClr>
+                          </a:outerShdw>
+                        </a:effectLst>
+                      </a:endParaRPr>
+                    </a:p>
+                  </a:txBody>
+                  <a:tcPr/>
+                </a:tc>
+                <a:tc>
+                  <a:txBody>
+                    <a:bodyPr/>
+                    <a:lstStyle/>
+                    <a:p>
+                      <a:pPr algn="ctr"/>
+                      <a:r>
+                        <a:rPr lang="en-US" sz="2000" b="1" dirty="0" smtClean="0">
+                          <a:solidFill>
+                            <a:schemeClr val="bg2">
+                              <a:lumMod val="25000"/>
+                            </a:schemeClr>
+                          </a:solidFill>
+                          <a:effectLst>
+                            <a:outerShdw blurRad="38100" dist="38100" dir="2700000" algn="tl">
+                              <a:srgbClr val="000000">
+                                <a:alpha val="43137"/>
+                              </a:srgbClr>
+                            </a:outerShdw>
+                          </a:effectLst>
+                        </a:rPr>
+                        <a:t>Target User(s)</a:t>
+                      </a:r>
+                      <a:endParaRPr lang="en-US" sz="2000" b="1" dirty="0">
+                        <a:solidFill>
+                          <a:schemeClr val="bg2">
+                            <a:lumMod val="25000"/>
+                          </a:schemeClr>
+                        </a:solidFill>
+                        <a:effectLst>
+                          <a:outerShdw blurRad="38100" dist="38100" dir="2700000" algn="tl">
+                            <a:srgbClr val="000000">
+                              <a:alpha val="43137"/>
+                            </a:srgbClr>
+                          </a:outerShdw>
+                        </a:effectLst>
+                      </a:endParaRPr>
+                    </a:p>
+                  </a:txBody>
+                  <a:tcPr/>
+                </a:tc>
+                <a:tc>
+                  <a:txBody>
+                    <a:bodyPr/>
+                    <a:lstStyle/>
+                    <a:p>
+                      <a:pPr algn="ctr"/>
+                      <a:r>
+                        <a:rPr lang="en-US" sz="2000" b="1" dirty="0" smtClean="0">
+                          <a:solidFill>
+                            <a:schemeClr val="bg2">
+                              <a:lumMod val="25000"/>
+                            </a:schemeClr>
+                          </a:solidFill>
+                          <a:effectLst>
+                            <a:outerShdw blurRad="38100" dist="38100" dir="2700000" algn="tl">
+                              <a:srgbClr val="000000">
+                                <a:alpha val="43137"/>
+                              </a:srgbClr>
+                            </a:outerShdw>
+                          </a:effectLst>
+                        </a:rPr>
+                        <a:t>Target Uses</a:t>
+                      </a:r>
+                      <a:endParaRPr lang="en-US" sz="2000" b="1" dirty="0">
+                        <a:solidFill>
+                          <a:schemeClr val="bg2">
+                            <a:lumMod val="25000"/>
+                          </a:schemeClr>
+                        </a:solidFill>
+                        <a:effectLst>
+                          <a:outerShdw blurRad="38100" dist="38100" dir="2700000" algn="tl">
+                            <a:srgbClr val="000000">
+                              <a:alpha val="43137"/>
+                            </a:srgbClr>
+                          </a:outerShdw>
+                        </a:effectLst>
+                      </a:endParaRPr>
+                    </a:p>
+                  </a:txBody>
+                  <a:tcPr/>
+                </a:tc>
+              </a:tr>
+              <a:tr h="856932">
+                <a:tc>
+                  <a:txBody>
+                    <a:bodyPr/>
+                    <a:lstStyle/>
+                    <a:p>
+                      <a:r>
+                        <a:rPr lang="en-US" b="1" dirty="0" smtClean="0"/>
+                        <a:t>1. Case</a:t>
+                      </a:r>
+                      <a:r>
+                        <a:rPr lang="en-US" b="1" baseline="0" dirty="0" smtClean="0"/>
+                        <a:t> Filer</a:t>
+                      </a:r>
+                      <a:endParaRPr lang="en-US" b="1" dirty="0"/>
+                    </a:p>
+                  </a:txBody>
+                  <a:tcPr/>
+                </a:tc>
+                <a:tc>
+                  <a:txBody>
+                    <a:bodyPr/>
+                    <a:lstStyle/>
+                    <a:p>
+                      <a:r>
+                        <a:rPr lang="en-US" dirty="0" smtClean="0"/>
+                        <a:t>Duty Officer (</a:t>
+                      </a:r>
+                      <a:r>
+                        <a:rPr lang="en-US" b="1" dirty="0" smtClean="0">
+                          <a:solidFill>
+                            <a:srgbClr val="C00000"/>
+                          </a:solidFill>
+                        </a:rPr>
+                        <a:t>DO</a:t>
+                      </a:r>
+                      <a:r>
+                        <a:rPr lang="en-US" dirty="0" smtClean="0"/>
+                        <a:t>)</a:t>
+                      </a:r>
+                      <a:endParaRPr lang="en-US" dirty="0"/>
+                    </a:p>
+                  </a:txBody>
+                  <a:tcPr/>
+                </a:tc>
+                <a:tc>
+                  <a:txBody>
+                    <a:bodyPr/>
+                    <a:lstStyle/>
+                    <a:p>
+                      <a:pPr marL="285750" indent="-285750">
+                        <a:buFont typeface="Arial" pitchFamily="34" charset="0"/>
+                        <a:buChar char="•"/>
+                      </a:pPr>
+                      <a:r>
+                        <a:rPr lang="en-US" dirty="0" smtClean="0"/>
+                        <a:t>To file a case </a:t>
+                      </a:r>
+                    </a:p>
+                    <a:p>
+                      <a:pPr marL="285750" indent="-285750">
+                        <a:buFont typeface="Arial" pitchFamily="34" charset="0"/>
+                        <a:buChar char="•"/>
+                      </a:pPr>
+                      <a:r>
+                        <a:rPr lang="en-US" baseline="0" dirty="0" smtClean="0"/>
+                        <a:t>To generate FIR</a:t>
+                      </a:r>
+                    </a:p>
+                    <a:p>
+                      <a:pPr marL="285750" indent="-285750">
+                        <a:buFont typeface="Arial" pitchFamily="34" charset="0"/>
+                        <a:buChar char="•"/>
+                      </a:pPr>
+                      <a:r>
+                        <a:rPr lang="en-US" baseline="0" dirty="0" smtClean="0"/>
+                        <a:t>To forward FIR to GRO</a:t>
+                      </a:r>
+                      <a:endParaRPr lang="en-US" dirty="0"/>
+                    </a:p>
+                  </a:txBody>
+                  <a:tcPr/>
+                </a:tc>
+              </a:tr>
+              <a:tr h="856932">
+                <a:tc>
+                  <a:txBody>
+                    <a:bodyPr/>
+                    <a:lstStyle/>
+                    <a:p>
+                      <a:r>
+                        <a:rPr lang="en-US" b="1" dirty="0" smtClean="0"/>
+                        <a:t>2.</a:t>
+                      </a:r>
+                      <a:r>
+                        <a:rPr lang="en-US" b="1" baseline="0" dirty="0" smtClean="0"/>
+                        <a:t> Case Lister</a:t>
+                      </a:r>
+                      <a:endParaRPr lang="en-US" b="1" dirty="0"/>
+                    </a:p>
+                  </a:txBody>
+                  <a:tcPr/>
+                </a:tc>
+                <a:tc>
+                  <a:txBody>
+                    <a:bodyPr/>
+                    <a:lstStyle/>
+                    <a:p>
+                      <a:r>
+                        <a:rPr lang="en-US" dirty="0" smtClean="0"/>
+                        <a:t>General Record Officer (</a:t>
+                      </a:r>
+                      <a:r>
+                        <a:rPr lang="en-US" b="1" dirty="0" smtClean="0">
+                          <a:solidFill>
+                            <a:srgbClr val="C00000"/>
+                          </a:solidFill>
+                        </a:rPr>
+                        <a:t>GRO</a:t>
+                      </a:r>
+                      <a:r>
+                        <a:rPr lang="en-US" dirty="0" smtClean="0"/>
+                        <a:t>)</a:t>
+                      </a:r>
+                      <a:endParaRPr lang="en-US" dirty="0"/>
+                    </a:p>
+                  </a:txBody>
+                  <a:tcPr/>
+                </a:tc>
+                <a:tc>
+                  <a:txBody>
+                    <a:bodyPr/>
+                    <a:lstStyle/>
+                    <a:p>
+                      <a:pPr marL="285750" indent="-285750">
+                        <a:buFont typeface="Arial" pitchFamily="34" charset="0"/>
+                        <a:buChar char="•"/>
+                      </a:pPr>
+                      <a:r>
+                        <a:rPr lang="en-US" dirty="0" smtClean="0"/>
+                        <a:t>To list the cases</a:t>
+                      </a:r>
+                    </a:p>
+                    <a:p>
+                      <a:pPr marL="285750" indent="-285750">
+                        <a:buFont typeface="Arial" pitchFamily="34" charset="0"/>
+                        <a:buChar char="•"/>
+                      </a:pPr>
+                      <a:r>
+                        <a:rPr lang="en-US" dirty="0" smtClean="0"/>
+                        <a:t>To forward to the clerk office</a:t>
+                      </a:r>
+                      <a:endParaRPr lang="en-US" dirty="0"/>
+                    </a:p>
+                  </a:txBody>
+                  <a:tcPr/>
+                </a:tc>
+              </a:tr>
+              <a:tr h="599852">
+                <a:tc>
+                  <a:txBody>
+                    <a:bodyPr/>
+                    <a:lstStyle/>
+                    <a:p>
+                      <a:r>
+                        <a:rPr lang="en-US" b="1" dirty="0" smtClean="0"/>
+                        <a:t>3. Cause</a:t>
+                      </a:r>
+                      <a:r>
+                        <a:rPr lang="en-US" b="1" baseline="0" dirty="0" smtClean="0"/>
+                        <a:t> List Generator</a:t>
+                      </a:r>
+                      <a:endParaRPr lang="en-US" b="1" dirty="0"/>
+                    </a:p>
+                  </a:txBody>
+                  <a:tcPr/>
+                </a:tc>
+                <a:tc>
+                  <a:txBody>
+                    <a:bodyPr/>
+                    <a:lstStyle/>
+                    <a:p>
+                      <a:r>
+                        <a:rPr lang="en-US" b="1" dirty="0" smtClean="0">
+                          <a:solidFill>
+                            <a:srgbClr val="C00000"/>
+                          </a:solidFill>
+                        </a:rPr>
+                        <a:t>Clerk Office</a:t>
+                      </a:r>
+                      <a:r>
+                        <a:rPr lang="en-US" b="1" baseline="0" dirty="0" smtClean="0">
+                          <a:solidFill>
+                            <a:srgbClr val="C00000"/>
+                          </a:solidFill>
+                        </a:rPr>
+                        <a:t> </a:t>
+                      </a:r>
+                      <a:r>
+                        <a:rPr lang="en-US" baseline="0" dirty="0" smtClean="0"/>
+                        <a:t>(Local Magistrate Office)</a:t>
+                      </a:r>
+                      <a:endParaRPr lang="en-US" dirty="0"/>
+                    </a:p>
+                  </a:txBody>
+                  <a:tcPr/>
+                </a:tc>
+                <a:tc>
+                  <a:txBody>
+                    <a:bodyPr/>
+                    <a:lstStyle/>
+                    <a:p>
+                      <a:pPr marL="285750" indent="-285750">
+                        <a:buFont typeface="Arial" pitchFamily="34" charset="0"/>
+                        <a:buChar char="•"/>
+                      </a:pPr>
+                      <a:r>
+                        <a:rPr lang="en-US" dirty="0" smtClean="0"/>
+                        <a:t>To generate</a:t>
+                      </a:r>
+                      <a:r>
+                        <a:rPr lang="en-US" baseline="0" dirty="0" smtClean="0"/>
+                        <a:t> cause list</a:t>
+                      </a:r>
+                      <a:endParaRPr lang="en-US" dirty="0"/>
+                    </a:p>
+                  </a:txBody>
+                  <a:tcPr/>
+                </a:tc>
+              </a:tr>
+              <a:tr h="599852">
+                <a:tc>
+                  <a:txBody>
+                    <a:bodyPr/>
+                    <a:lstStyle/>
+                    <a:p>
+                      <a:r>
+                        <a:rPr lang="en-US" b="1" dirty="0" smtClean="0"/>
+                        <a:t>4. Magistrate Helper</a:t>
+                      </a:r>
+                      <a:endParaRPr lang="en-US" b="1" dirty="0"/>
+                    </a:p>
+                  </a:txBody>
+                  <a:tcPr/>
+                </a:tc>
+                <a:tc>
+                  <a:txBody>
+                    <a:bodyPr/>
+                    <a:lstStyle/>
+                    <a:p>
+                      <a:r>
+                        <a:rPr lang="en-US" dirty="0" smtClean="0"/>
+                        <a:t>Local Magistrate</a:t>
+                      </a:r>
+                      <a:r>
+                        <a:rPr lang="en-US" baseline="0" dirty="0" smtClean="0"/>
+                        <a:t> (</a:t>
+                      </a:r>
+                      <a:r>
+                        <a:rPr lang="en-US" b="1" baseline="0" dirty="0" smtClean="0">
+                          <a:solidFill>
+                            <a:srgbClr val="C00000"/>
+                          </a:solidFill>
+                        </a:rPr>
+                        <a:t>Judge</a:t>
+                      </a:r>
+                      <a:r>
+                        <a:rPr lang="en-US" baseline="0" dirty="0" smtClean="0"/>
+                        <a:t>)</a:t>
+                      </a:r>
+                      <a:endParaRPr lang="en-US" dirty="0"/>
+                    </a:p>
+                  </a:txBody>
+                  <a:tcPr/>
+                </a:tc>
+                <a:tc>
+                  <a:txBody>
+                    <a:bodyPr/>
+                    <a:lstStyle/>
+                    <a:p>
+                      <a:pPr marL="285750" indent="-285750">
+                        <a:buFont typeface="Arial" pitchFamily="34" charset="0"/>
+                        <a:buChar char="•"/>
+                      </a:pPr>
+                      <a:r>
+                        <a:rPr lang="en-US" dirty="0" smtClean="0"/>
+                        <a:t>To get notifications</a:t>
+                      </a:r>
+                      <a:r>
+                        <a:rPr lang="en-US" baseline="0" dirty="0" smtClean="0"/>
+                        <a:t> </a:t>
+                      </a:r>
+                    </a:p>
+                    <a:p>
+                      <a:pPr marL="285750" indent="-285750">
+                        <a:buFont typeface="Arial" pitchFamily="34" charset="0"/>
+                        <a:buChar char="•"/>
+                      </a:pPr>
+                      <a:r>
+                        <a:rPr lang="en-US" baseline="0" dirty="0" smtClean="0"/>
+                        <a:t>To maintain own cases</a:t>
+                      </a:r>
+                      <a:endParaRPr lang="en-US" dirty="0"/>
+                    </a:p>
+                  </a:txBody>
+                  <a:tcPr/>
+                </a:tc>
+              </a:tr>
+              <a:tr h="856932">
+                <a:tc>
+                  <a:txBody>
+                    <a:bodyPr/>
+                    <a:lstStyle/>
+                    <a:p>
+                      <a:r>
+                        <a:rPr lang="en-US" b="1" dirty="0" smtClean="0"/>
+                        <a:t>5. CMM Helper</a:t>
+                      </a:r>
+                      <a:endParaRPr lang="en-US" b="1" dirty="0"/>
+                    </a:p>
+                  </a:txBody>
+                  <a:tcPr/>
+                </a:tc>
+                <a:tc>
+                  <a:txBody>
+                    <a:bodyPr/>
+                    <a:lstStyle/>
+                    <a:p>
+                      <a:pPr marL="0" marR="0" indent="0" algn="l" defTabSz="914400" rtl="0" eaLnBrk="1" fontAlgn="auto" latinLnBrk="0" hangingPunct="1">
+                        <a:lnSpc>
+                          <a:spcPct val="100000"/>
+                        </a:lnSpc>
+                        <a:spcBef>
+                          <a:spcPts val="0"/>
+                        </a:spcBef>
+                        <a:spcAft>
+                          <a:spcPts val="0"/>
+                        </a:spcAft>
+                        <a:buClrTx/>
+                        <a:buSzTx/>
+                        <a:buFontTx/>
+                        <a:buNone/>
+                        <a:tabLst/>
+                        <a:defRPr/>
+                      </a:pPr>
+                      <a:r>
+                        <a:rPr lang="en-US" dirty="0" smtClean="0"/>
+                        <a:t>Chief Metropolitan Magistrate (CMM)</a:t>
+                      </a:r>
+                      <a:endParaRPr lang="en-US" dirty="0"/>
+                    </a:p>
+                  </a:txBody>
+                  <a:tcPr/>
+                </a:tc>
+                <a:tc>
+                  <a:txBody>
+                    <a:bodyPr/>
+                    <a:lstStyle/>
+                    <a:p>
+                      <a:pPr marL="285750" indent="-285750">
+                        <a:buFont typeface="Arial" pitchFamily="34" charset="0"/>
+                        <a:buChar char="•"/>
+                      </a:pPr>
+                      <a:r>
+                        <a:rPr lang="en-US" dirty="0" smtClean="0"/>
+                        <a:t>To assign courts</a:t>
+                      </a:r>
+                    </a:p>
+                    <a:p>
+                      <a:pPr marL="285750" indent="-285750">
+                        <a:buFont typeface="Arial" pitchFamily="34" charset="0"/>
+                        <a:buChar char="•"/>
+                      </a:pPr>
+                      <a:r>
+                        <a:rPr lang="en-US" dirty="0" smtClean="0"/>
+                        <a:t>To</a:t>
+                      </a:r>
+                      <a:r>
+                        <a:rPr lang="en-US" baseline="0" dirty="0" smtClean="0"/>
+                        <a:t> generate court list</a:t>
+                      </a:r>
+                    </a:p>
+                    <a:p>
+                      <a:pPr marL="285750" indent="-285750">
+                        <a:buFont typeface="Arial" pitchFamily="34" charset="0"/>
+                        <a:buChar char="•"/>
+                      </a:pPr>
+                      <a:r>
+                        <a:rPr lang="en-US" baseline="0" dirty="0" smtClean="0"/>
+                        <a:t>To notify</a:t>
+                      </a:r>
+                      <a:endParaRPr lang="en-US" dirty="0"/>
+                    </a:p>
+                  </a:txBody>
+                  <a:tcPr/>
+                </a:tc>
+              </a:tr>
+              <a:tr h="582563">
+                <a:tc>
+                  <a:txBody>
+                    <a:bodyPr/>
+                    <a:lstStyle/>
+                    <a:p>
+                      <a:r>
+                        <a:rPr lang="en-US" b="1" dirty="0" smtClean="0"/>
+                        <a:t>6. Greffier Helper</a:t>
+                      </a:r>
+                      <a:endParaRPr lang="en-US" b="1" dirty="0"/>
+                    </a:p>
+                  </a:txBody>
+                  <a:tcPr/>
+                </a:tc>
+                <a:tc>
+                  <a:txBody>
+                    <a:bodyPr/>
+                    <a:lstStyle/>
+                    <a:p>
+                      <a:r>
+                        <a:rPr lang="en-US" dirty="0" smtClean="0"/>
+                        <a:t>Greffier</a:t>
+                      </a:r>
+                      <a:endParaRPr lang="en-US" dirty="0"/>
+                    </a:p>
+                  </a:txBody>
+                  <a:tcPr/>
+                </a:tc>
+                <a:tc>
+                  <a:txBody>
+                    <a:bodyPr/>
+                    <a:lstStyle/>
+                    <a:p>
+                      <a:pPr marL="285750" indent="-285750">
+                        <a:buFont typeface="Arial" pitchFamily="34" charset="0"/>
+                        <a:buChar char="•"/>
+                      </a:pPr>
+                      <a:r>
+                        <a:rPr lang="en-US" dirty="0" smtClean="0"/>
+                        <a:t>To document </a:t>
+                      </a:r>
+                      <a:r>
+                        <a:rPr lang="en-US" sz="1600" dirty="0" smtClean="0"/>
+                        <a:t>judgment</a:t>
+                      </a:r>
+                      <a:endParaRPr lang="en-US" dirty="0"/>
+                    </a:p>
+                  </a:txBody>
+                  <a:tcPr/>
+                </a:tc>
+              </a:tr>
+            </a:tbl>
+          </a:graphicData>
+        </a:graphic>
+      </p:graphicFrame>
+    </p:spTree>
+    <p:extLst>
+      <p:ext uri="{BB962C8B-B14F-4D97-AF65-F5344CB8AC3E}">
+        <p14:creationId xmlns:p14="http://schemas.microsoft.com/office/powerpoint/2010/main" val="619607285"/>
+      </p:ext>
+    </p:extLst>
+  </p:cSld>
+  <p:clrMapOvr>
+    <a:masterClrMapping/>
+  </p:clrMapOvr>
+  <mc:AlternateContent xmlns:mc="http://schemas.openxmlformats.org/markup-compatibility/2006" xmlns:p14="http://schemas.microsoft.com/office/powerpoint/2010/main">
+    <mc:Choice Requires="p14">
+      <p:transition spd="slow" p14:dur="1500">
+        <p14:ripple dir="ld"/>
+      </p:transition>
+    </mc:Choice>
+    <mc:Fallback xmlns="">
+      <p:transition spd="slow">
+        <p:fade/>
+      </p:transition>
+    </mc:Fallback>
+  </mc:AlternateContent>
+  <p:timing>
+    <p:tnLst>
+      <p:par>
+        <p:cTn id="1" dur="indefinite" restart="never" nodeType="tmRoot"/>
+      </p:par>
+    </p:tnLst>
+  </p:timing>
+</p:sld>
+</file>
+
+<file path=ppt/slides/slide21.xml><?xml version="1.0" encoding="utf-8"?>
+<p:sld xmlns:a="http://schemas.openxmlformats.org/drawingml/2006/main" xmlns:r="http://schemas.openxmlformats.org/officeDocument/2006/relationships" xmlns:p="http://schemas.openxmlformats.org/presentationml/2006/main">
+  <p:cSld>
+    <p:spTree>
+      <p:nvGrpSpPr>
+        <p:cNvPr id="1" name=""/>
+        <p:cNvGrpSpPr/>
+        <p:nvPr/>
+      </p:nvGrpSpPr>
+      <p:grpSpPr>
+        <a:xfrm>
+          <a:off x="0" y="0"/>
+          <a:ext cx="0" cy="0"/>
+          <a:chOff x="0" y="0"/>
+          <a:chExt cx="0" cy="0"/>
+        </a:xfrm>
+      </p:grpSpPr>
+      <p:sp>
+        <p:nvSpPr>
+          <p:cNvPr id="41" name="Rounded Rectangle 40"/>
+          <p:cNvSpPr/>
+          <p:nvPr/>
+        </p:nvSpPr>
+        <p:spPr>
+          <a:xfrm>
+            <a:off x="228599" y="304800"/>
+            <a:ext cx="7162801" cy="838200"/>
+          </a:xfrm>
+          <a:prstGeom prst="roundRect">
+            <a:avLst/>
+          </a:prstGeom>
+        </p:spPr>
+        <p:style>
+          <a:lnRef idx="1">
+            <a:schemeClr val="accent2"/>
+          </a:lnRef>
+          <a:fillRef idx="2">
+            <a:schemeClr val="accent2"/>
+          </a:fillRef>
+          <a:effectRef idx="1">
+            <a:schemeClr val="accent2"/>
+          </a:effectRef>
+          <a:fontRef idx="minor">
+            <a:schemeClr val="dk1"/>
+          </a:fontRef>
+        </p:style>
+        <p:txBody>
+          <a:bodyPr rtlCol="0" anchor="ctr">
+            <a:scene3d>
+              <a:camera prst="orthographicFront"/>
+              <a:lightRig rig="glow" dir="tl">
+                <a:rot lat="0" lon="0" rev="5400000"/>
+              </a:lightRig>
+            </a:scene3d>
+            <a:sp3d contourW="12700">
+              <a:bevelT w="25400" h="25400"/>
+              <a:contourClr>
+                <a:schemeClr val="accent6">
+                  <a:shade val="73000"/>
+                </a:schemeClr>
+              </a:contourClr>
+            </a:sp3d>
+          </a:bodyPr>
+          <a:lstStyle/>
+          <a:p>
+            <a:r>
+              <a:rPr lang="en-US" sz="2800" b="1" dirty="0" smtClean="0">
+                <a:ln w="11430"/>
+                <a:gradFill>
+                  <a:gsLst>
+                    <a:gs pos="0">
+                      <a:schemeClr val="accent6">
+                        <a:tint val="90000"/>
+                        <a:satMod val="120000"/>
+                      </a:schemeClr>
+                    </a:gs>
+                    <a:gs pos="25000">
+                      <a:schemeClr val="accent6">
+                        <a:tint val="93000"/>
+                        <a:satMod val="120000"/>
+                      </a:schemeClr>
+                    </a:gs>
+                    <a:gs pos="50000">
+                      <a:schemeClr val="accent6">
+                        <a:shade val="89000"/>
+                        <a:satMod val="110000"/>
+                      </a:schemeClr>
+                    </a:gs>
+                    <a:gs pos="75000">
+                      <a:schemeClr val="accent6">
+                        <a:tint val="93000"/>
+                        <a:satMod val="120000"/>
+                      </a:schemeClr>
+                    </a:gs>
+                    <a:gs pos="100000">
+                      <a:schemeClr val="accent6">
+                        <a:tint val="90000"/>
+                        <a:satMod val="120000"/>
+                      </a:schemeClr>
+                    </a:gs>
+                  </a:gsLst>
+                  <a:lin ang="5400000"/>
+                </a:gradFill>
+                <a:effectLst>
+                  <a:outerShdw blurRad="80000" dist="40000" dir="5040000" algn="tl">
+                    <a:srgbClr val="000000">
+                      <a:alpha val="30000"/>
+                    </a:srgbClr>
+                  </a:outerShdw>
+                </a:effectLst>
+              </a:rPr>
+              <a:t>Feasibility Analysis: </a:t>
+            </a:r>
+            <a:r>
+              <a:rPr lang="en-US" sz="2800" b="1" dirty="0">
+                <a:ln w="11430"/>
+                <a:gradFill>
+                  <a:gsLst>
+                    <a:gs pos="0">
+                      <a:schemeClr val="accent6">
+                        <a:tint val="90000"/>
+                        <a:satMod val="120000"/>
+                      </a:schemeClr>
+                    </a:gs>
+                    <a:gs pos="25000">
+                      <a:schemeClr val="accent6">
+                        <a:tint val="93000"/>
+                        <a:satMod val="120000"/>
+                      </a:schemeClr>
+                    </a:gs>
+                    <a:gs pos="50000">
+                      <a:schemeClr val="accent6">
+                        <a:shade val="89000"/>
+                        <a:satMod val="110000"/>
+                      </a:schemeClr>
+                    </a:gs>
+                    <a:gs pos="75000">
+                      <a:schemeClr val="accent6">
+                        <a:tint val="93000"/>
+                        <a:satMod val="120000"/>
+                      </a:schemeClr>
+                    </a:gs>
+                    <a:gs pos="100000">
+                      <a:schemeClr val="accent6">
+                        <a:tint val="90000"/>
+                        <a:satMod val="120000"/>
+                      </a:schemeClr>
+                    </a:gs>
+                  </a:gsLst>
+                  <a:lin ang="5400000"/>
+                </a:gradFill>
+                <a:effectLst>
+                  <a:outerShdw blurRad="80000" dist="40000" dir="5040000" algn="tl">
+                    <a:srgbClr val="000000">
+                      <a:alpha val="30000"/>
+                    </a:srgbClr>
+                  </a:outerShdw>
+                </a:effectLst>
+              </a:rPr>
+              <a:t>Technical</a:t>
+            </a:r>
+            <a:endParaRPr lang="en-US" sz="3200" b="1" dirty="0">
+              <a:ln w="11430"/>
+              <a:gradFill>
+                <a:gsLst>
+                  <a:gs pos="0">
+                    <a:schemeClr val="accent6">
+                      <a:tint val="90000"/>
+                      <a:satMod val="120000"/>
+                    </a:schemeClr>
+                  </a:gs>
+                  <a:gs pos="25000">
+                    <a:schemeClr val="accent6">
+                      <a:tint val="93000"/>
+                      <a:satMod val="120000"/>
+                    </a:schemeClr>
+                  </a:gs>
+                  <a:gs pos="50000">
+                    <a:schemeClr val="accent6">
+                      <a:shade val="89000"/>
+                      <a:satMod val="110000"/>
+                    </a:schemeClr>
+                  </a:gs>
+                  <a:gs pos="75000">
+                    <a:schemeClr val="accent6">
+                      <a:tint val="93000"/>
+                      <a:satMod val="120000"/>
+                    </a:schemeClr>
+                  </a:gs>
+                  <a:gs pos="100000">
+                    <a:schemeClr val="accent6">
+                      <a:tint val="90000"/>
+                      <a:satMod val="120000"/>
+                    </a:schemeClr>
+                  </a:gs>
+                </a:gsLst>
+                <a:lin ang="5400000"/>
+              </a:gradFill>
+              <a:effectLst>
+                <a:outerShdw blurRad="80000" dist="40000" dir="5040000" algn="tl">
+                  <a:srgbClr val="000000">
+                    <a:alpha val="30000"/>
+                  </a:srgbClr>
+                </a:outerShdw>
+              </a:effectLst>
+            </a:endParaRPr>
+          </a:p>
+        </p:txBody>
+      </p:sp>
+      <p:pic>
+        <p:nvPicPr>
+          <p:cNvPr id="42" name="Picture 2" descr="D:\Rakinsfiles\rakin's L-3 T-1\Software\LAB_ISD\Photos\Supreme Court of Bangladesh.jpg"/>
+          <p:cNvPicPr>
+            <a:picLocks noChangeAspect="1" noChangeArrowheads="1"/>
+          </p:cNvPicPr>
+          <p:nvPr/>
+        </p:nvPicPr>
+        <p:blipFill>
+          <a:blip r:embed="rId2" cstate="print">
+            <a:extLst>
+              <a:ext uri="{28A0092B-C50C-407E-A947-70E740481C1C}">
+                <a14:useLocalDpi xmlns:a14="http://schemas.microsoft.com/office/drawing/2010/main" val="0"/>
+              </a:ext>
+            </a:extLst>
+          </a:blip>
+          <a:srcRect/>
+          <a:stretch>
+            <a:fillRect/>
+          </a:stretch>
+        </p:blipFill>
+        <p:spPr bwMode="auto">
+          <a:xfrm>
+            <a:off x="7391400" y="212491"/>
+            <a:ext cx="1461167" cy="1022817"/>
+          </a:xfrm>
+          <a:prstGeom prst="ellipse">
+            <a:avLst/>
+          </a:prstGeom>
+          <a:ln>
+            <a:noFill/>
+          </a:ln>
+          <a:effectLst>
+            <a:softEdge rad="112500"/>
+          </a:effectLst>
+          <a:extLst>
+            <a:ext uri="{909E8E84-426E-40DD-AFC4-6F175D3DCCD1}">
+              <a14:hiddenFill xmlns:a14="http://schemas.microsoft.com/office/drawing/2010/main">
+                <a:solidFill>
+                  <a:srgbClr val="FFFFFF"/>
+                </a:solidFill>
+              </a14:hiddenFill>
+            </a:ext>
+          </a:extLst>
+        </p:spPr>
+      </p:pic>
+      <p:sp>
+        <p:nvSpPr>
+          <p:cNvPr id="43" name="Slide Number Placeholder 3"/>
+          <p:cNvSpPr>
+            <a:spLocks noGrp="1"/>
+          </p:cNvSpPr>
+          <p:nvPr>
+            <p:ph type="sldNum" sz="quarter" idx="12"/>
+          </p:nvPr>
+        </p:nvSpPr>
+        <p:spPr>
+          <a:xfrm>
+            <a:off x="8121983" y="990600"/>
+            <a:ext cx="893649" cy="495299"/>
+          </a:xfrm>
+        </p:spPr>
+        <p:txBody>
+          <a:bodyPr>
+            <a:scene3d>
+              <a:camera prst="orthographicFront">
+                <a:rot lat="0" lon="0" rev="0"/>
+              </a:camera>
+              <a:lightRig rig="contrasting" dir="t">
+                <a:rot lat="0" lon="0" rev="4500000"/>
+              </a:lightRig>
+            </a:scene3d>
+            <a:sp3d contourW="6350" prstMaterial="metal">
+              <a:bevelT w="127000" h="31750" prst="relaxedInset"/>
+              <a:contourClr>
+                <a:schemeClr val="accent1">
+                  <a:shade val="75000"/>
+                </a:schemeClr>
+              </a:contourClr>
+            </a:sp3d>
+          </a:bodyPr>
+          <a:lstStyle/>
+          <a:p>
+            <a:fld id="{D787AFA1-61CC-4523-8BB5-29B4479E0D14}" type="slidenum">
+              <a:rPr lang="en-US" sz="3600" cap="all" smtClean="0">
+                <a:ln w="0"/>
+                <a:gradFill flip="none">
+                  <a:gsLst>
+                    <a:gs pos="0">
+                      <a:schemeClr val="accent1">
+                        <a:tint val="75000"/>
+                        <a:shade val="75000"/>
+                        <a:satMod val="170000"/>
+                      </a:schemeClr>
+                    </a:gs>
+                    <a:gs pos="49000">
+                      <a:schemeClr val="accent1">
+                        <a:tint val="88000"/>
+                        <a:shade val="65000"/>
+                        <a:satMod val="172000"/>
+                      </a:schemeClr>
+                    </a:gs>
+                    <a:gs pos="50000">
+                      <a:schemeClr val="accent1">
+                        <a:shade val="65000"/>
+                        <a:satMod val="130000"/>
+                      </a:schemeClr>
+                    </a:gs>
+                    <a:gs pos="92000">
+                      <a:schemeClr val="accent1">
+                        <a:shade val="50000"/>
+                        <a:satMod val="120000"/>
+                      </a:schemeClr>
+                    </a:gs>
+                    <a:gs pos="100000">
+                      <a:schemeClr val="accent1">
+                        <a:shade val="48000"/>
+                        <a:satMod val="120000"/>
+                      </a:schemeClr>
+                    </a:gs>
+                  </a:gsLst>
+                  <a:lin ang="5400000"/>
+                </a:gradFill>
+                <a:effectLst>
+                  <a:reflection blurRad="12700" stA="50000" endPos="50000" dist="5000" dir="5400000" sy="-100000" rotWithShape="0"/>
+                </a:effectLst>
+              </a:rPr>
+              <a:pPr/>
+              <a:t>21</a:t>
+            </a:fld>
+            <a:endParaRPr lang="en-US" sz="3600" cap="all" dirty="0">
+              <a:ln w="0"/>
+              <a:gradFill flip="none">
+                <a:gsLst>
+                  <a:gs pos="0">
+                    <a:schemeClr val="accent1">
+                      <a:tint val="75000"/>
+                      <a:shade val="75000"/>
+                      <a:satMod val="170000"/>
+                    </a:schemeClr>
+                  </a:gs>
+                  <a:gs pos="49000">
+                    <a:schemeClr val="accent1">
+                      <a:tint val="88000"/>
+                      <a:shade val="65000"/>
+                      <a:satMod val="172000"/>
+                    </a:schemeClr>
+                  </a:gs>
+                  <a:gs pos="50000">
+                    <a:schemeClr val="accent1">
+                      <a:shade val="65000"/>
+                      <a:satMod val="130000"/>
+                    </a:schemeClr>
+                  </a:gs>
+                  <a:gs pos="92000">
+                    <a:schemeClr val="accent1">
+                      <a:shade val="50000"/>
+                      <a:satMod val="120000"/>
+                    </a:schemeClr>
+                  </a:gs>
+                  <a:gs pos="100000">
+                    <a:schemeClr val="accent1">
+                      <a:shade val="48000"/>
+                      <a:satMod val="120000"/>
+                    </a:schemeClr>
+                  </a:gs>
+                </a:gsLst>
+                <a:lin ang="5400000"/>
+              </a:gradFill>
+              <a:effectLst>
+                <a:reflection blurRad="12700" stA="50000" endPos="50000" dist="5000" dir="5400000" sy="-100000" rotWithShape="0"/>
+              </a:effectLst>
+            </a:endParaRPr>
+          </a:p>
+        </p:txBody>
+      </p:sp>
+      <p:sp>
+        <p:nvSpPr>
+          <p:cNvPr id="3" name="Rectangle 2"/>
+          <p:cNvSpPr/>
+          <p:nvPr/>
+        </p:nvSpPr>
+        <p:spPr>
+          <a:xfrm>
+            <a:off x="248264" y="1295400"/>
+            <a:ext cx="8743336" cy="3539430"/>
+          </a:xfrm>
+          <a:prstGeom prst="rect">
+            <a:avLst/>
+          </a:prstGeom>
+        </p:spPr>
+        <p:txBody>
+          <a:bodyPr wrap="square">
+            <a:spAutoFit/>
+          </a:bodyPr>
+          <a:lstStyle/>
+          <a:p>
+            <a:r>
+              <a:rPr lang="en-US" sz="2800" b="1" cap="all" dirty="0">
+                <a:ln w="0"/>
+                <a:solidFill>
+                  <a:schemeClr val="accent6">
+                    <a:lumMod val="75000"/>
+                  </a:schemeClr>
+                </a:solidFill>
+                <a:effectLst>
+                  <a:reflection blurRad="12700" stA="50000" endPos="50000" dist="5000" dir="5400000" sy="-100000" rotWithShape="0"/>
+                </a:effectLst>
+              </a:rPr>
+              <a:t>One </a:t>
+            </a:r>
+            <a:r>
+              <a:rPr lang="en-US" sz="2800" b="1" cap="all" dirty="0">
+                <a:ln w="0"/>
+                <a:gradFill flip="none">
+                  <a:gsLst>
+                    <a:gs pos="0">
+                      <a:schemeClr val="accent1">
+                        <a:tint val="75000"/>
+                        <a:shade val="75000"/>
+                        <a:satMod val="170000"/>
+                      </a:schemeClr>
+                    </a:gs>
+                    <a:gs pos="49000">
+                      <a:schemeClr val="accent1">
+                        <a:tint val="88000"/>
+                        <a:shade val="65000"/>
+                        <a:satMod val="172000"/>
+                      </a:schemeClr>
+                    </a:gs>
+                    <a:gs pos="50000">
+                      <a:schemeClr val="accent1">
+                        <a:shade val="65000"/>
+                        <a:satMod val="130000"/>
+                      </a:schemeClr>
+                    </a:gs>
+                    <a:gs pos="92000">
+                      <a:schemeClr val="accent1">
+                        <a:shade val="50000"/>
+                        <a:satMod val="120000"/>
+                      </a:schemeClr>
+                    </a:gs>
+                    <a:gs pos="100000">
+                      <a:schemeClr val="accent1">
+                        <a:shade val="48000"/>
+                        <a:satMod val="120000"/>
+                      </a:schemeClr>
+                    </a:gs>
+                  </a:gsLst>
+                  <a:lin ang="5400000"/>
+                </a:gradFill>
+                <a:effectLst>
+                  <a:reflection blurRad="12700" stA="50000" endPos="50000" dist="5000" dir="5400000" sy="-100000" rotWithShape="0"/>
+                </a:effectLst>
+              </a:rPr>
+              <a:t>Web Interface </a:t>
+            </a:r>
+            <a:r>
+              <a:rPr lang="en-US" sz="2800" b="1" cap="all" dirty="0" smtClean="0">
+                <a:ln w="0"/>
+                <a:gradFill flip="none">
+                  <a:gsLst>
+                    <a:gs pos="0">
+                      <a:schemeClr val="accent1">
+                        <a:tint val="75000"/>
+                        <a:shade val="75000"/>
+                        <a:satMod val="170000"/>
+                      </a:schemeClr>
+                    </a:gs>
+                    <a:gs pos="49000">
+                      <a:schemeClr val="accent1">
+                        <a:tint val="88000"/>
+                        <a:shade val="65000"/>
+                        <a:satMod val="172000"/>
+                      </a:schemeClr>
+                    </a:gs>
+                    <a:gs pos="50000">
+                      <a:schemeClr val="accent1">
+                        <a:shade val="65000"/>
+                        <a:satMod val="130000"/>
+                      </a:schemeClr>
+                    </a:gs>
+                    <a:gs pos="92000">
+                      <a:schemeClr val="accent1">
+                        <a:shade val="50000"/>
+                        <a:satMod val="120000"/>
+                      </a:schemeClr>
+                    </a:gs>
+                    <a:gs pos="100000">
+                      <a:schemeClr val="accent1">
+                        <a:shade val="48000"/>
+                        <a:satMod val="120000"/>
+                      </a:schemeClr>
+                    </a:gs>
+                  </a:gsLst>
+                  <a:lin ang="5400000"/>
+                </a:gradFill>
+                <a:effectLst>
+                  <a:reflection blurRad="12700" stA="50000" endPos="50000" dist="5000" dir="5400000" sy="-100000" rotWithShape="0"/>
+                </a:effectLst>
+              </a:rPr>
+              <a:t>:</a:t>
+            </a:r>
+          </a:p>
+          <a:p>
+            <a:endParaRPr lang="en-US" sz="2800" cap="all" dirty="0" smtClean="0">
+              <a:ln w="0"/>
+              <a:gradFill flip="none">
+                <a:gsLst>
+                  <a:gs pos="0">
+                    <a:schemeClr val="accent1">
+                      <a:tint val="75000"/>
+                      <a:shade val="75000"/>
+                      <a:satMod val="170000"/>
+                    </a:schemeClr>
+                  </a:gs>
+                  <a:gs pos="49000">
+                    <a:schemeClr val="accent1">
+                      <a:tint val="88000"/>
+                      <a:shade val="65000"/>
+                      <a:satMod val="172000"/>
+                    </a:schemeClr>
+                  </a:gs>
+                  <a:gs pos="50000">
+                    <a:schemeClr val="accent1">
+                      <a:shade val="65000"/>
+                      <a:satMod val="130000"/>
+                    </a:schemeClr>
+                  </a:gs>
+                  <a:gs pos="92000">
+                    <a:schemeClr val="accent1">
+                      <a:shade val="50000"/>
+                      <a:satMod val="120000"/>
+                    </a:schemeClr>
+                  </a:gs>
+                  <a:gs pos="100000">
+                    <a:schemeClr val="accent1">
+                      <a:shade val="48000"/>
+                      <a:satMod val="120000"/>
+                    </a:schemeClr>
+                  </a:gs>
+                </a:gsLst>
+                <a:lin ang="5400000"/>
+              </a:gradFill>
+              <a:effectLst>
+                <a:reflection blurRad="12700" stA="50000" endPos="50000" dist="5000" dir="5400000" sy="-100000" rotWithShape="0"/>
+              </a:effectLst>
+            </a:endParaRPr>
+          </a:p>
+          <a:p>
+            <a:pPr marL="342900" indent="-342900">
+              <a:buFont typeface="Wingdings" pitchFamily="2" charset="2"/>
+              <a:buChar char="Ø"/>
+            </a:pPr>
+            <a:r>
+              <a:rPr lang="en-US" sz="2400" dirty="0" smtClean="0">
+                <a:ln w="1905"/>
+                <a:effectLst>
+                  <a:innerShdw blurRad="69850" dist="43180" dir="5400000">
+                    <a:srgbClr val="000000">
+                      <a:alpha val="65000"/>
+                    </a:srgbClr>
+                  </a:innerShdw>
+                </a:effectLst>
+              </a:rPr>
+              <a:t>For the general people to see updates of the cases</a:t>
+            </a:r>
+          </a:p>
+          <a:p>
+            <a:pPr marL="342900" indent="-342900">
+              <a:buFont typeface="Wingdings" pitchFamily="2" charset="2"/>
+              <a:buChar char="Ø"/>
+            </a:pPr>
+            <a:endParaRPr lang="en-US" sz="2400" dirty="0" smtClean="0"/>
+          </a:p>
+          <a:p>
+            <a:pPr marL="342900" indent="-342900">
+              <a:buFont typeface="Wingdings" pitchFamily="2" charset="2"/>
+              <a:buChar char="Ø"/>
+            </a:pPr>
+            <a:r>
+              <a:rPr lang="en-US" sz="2400" dirty="0" smtClean="0">
+                <a:ln w="1905"/>
+                <a:effectLst>
+                  <a:innerShdw blurRad="69850" dist="43180" dir="5400000">
+                    <a:srgbClr val="000000">
+                      <a:alpha val="65000"/>
+                    </a:srgbClr>
+                  </a:innerShdw>
+                </a:effectLst>
+              </a:rPr>
+              <a:t>Any case to be followed to get notifications about the update of the case</a:t>
+            </a:r>
+          </a:p>
+          <a:p>
+            <a:pPr marL="800100" lvl="1" indent="-342900">
+              <a:buFont typeface="Wingdings" pitchFamily="2" charset="2"/>
+              <a:buChar char="ü"/>
+            </a:pPr>
+            <a:r>
+              <a:rPr lang="en-US" sz="2400" dirty="0" smtClean="0">
+                <a:ln w="1905"/>
+                <a:effectLst>
+                  <a:innerShdw blurRad="69850" dist="43180" dir="5400000">
+                    <a:srgbClr val="000000">
+                      <a:alpha val="65000"/>
+                    </a:srgbClr>
+                  </a:innerShdw>
+                </a:effectLst>
+              </a:rPr>
+              <a:t>SMS notifications via an SMS gateway</a:t>
+            </a:r>
+          </a:p>
+          <a:p>
+            <a:pPr lvl="1"/>
+            <a:endParaRPr lang="en-US" sz="2400" dirty="0" smtClean="0">
+              <a:ln w="1905"/>
+              <a:effectLst>
+                <a:innerShdw blurRad="69850" dist="43180" dir="5400000">
+                  <a:srgbClr val="000000">
+                    <a:alpha val="65000"/>
+                  </a:srgbClr>
+                </a:innerShdw>
+              </a:effectLst>
+            </a:endParaRPr>
+          </a:p>
+          <a:p>
+            <a:pPr marL="342900" indent="-342900">
+              <a:buFont typeface="Wingdings" pitchFamily="2" charset="2"/>
+              <a:buChar char="Ø"/>
+            </a:pPr>
+            <a:r>
+              <a:rPr lang="en-US" sz="2400" dirty="0" smtClean="0">
+                <a:ln w="1905"/>
+                <a:effectLst>
+                  <a:innerShdw blurRad="69850" dist="43180" dir="5400000">
+                    <a:srgbClr val="000000">
+                      <a:alpha val="65000"/>
+                    </a:srgbClr>
+                  </a:innerShdw>
+                </a:effectLst>
+              </a:rPr>
+              <a:t>Any rough document to be formatted as PDF &amp; then printed</a:t>
+            </a:r>
+          </a:p>
+        </p:txBody>
+      </p:sp>
+      <p:sp>
+        <p:nvSpPr>
+          <p:cNvPr id="4" name="Rectangle 3"/>
+          <p:cNvSpPr/>
+          <p:nvPr/>
+        </p:nvSpPr>
+        <p:spPr>
+          <a:xfrm>
+            <a:off x="304800" y="5215116"/>
+            <a:ext cx="7543800" cy="1261884"/>
+          </a:xfrm>
+          <a:prstGeom prst="rect">
+            <a:avLst/>
+          </a:prstGeom>
+        </p:spPr>
+        <p:txBody>
+          <a:bodyPr wrap="square">
+            <a:spAutoFit/>
+          </a:bodyPr>
+          <a:lstStyle/>
+          <a:p>
+            <a:r>
+              <a:rPr lang="en-US" sz="2800" b="1" cap="all" dirty="0" smtClean="0">
+                <a:ln w="0"/>
+                <a:solidFill>
+                  <a:schemeClr val="accent6">
+                    <a:lumMod val="75000"/>
+                  </a:schemeClr>
+                </a:solidFill>
+                <a:effectLst>
+                  <a:reflection blurRad="12700" stA="50000" endPos="50000" dist="5000" dir="5400000" sy="-100000" rotWithShape="0"/>
+                </a:effectLst>
+              </a:rPr>
+              <a:t>Alternative </a:t>
+            </a:r>
+            <a:r>
+              <a:rPr lang="en-US" sz="2800" b="1" cap="all" dirty="0" smtClean="0">
+                <a:ln w="0"/>
+                <a:solidFill>
+                  <a:schemeClr val="accent1">
+                    <a:lumMod val="75000"/>
+                  </a:schemeClr>
+                </a:solidFill>
+                <a:effectLst>
+                  <a:reflection blurRad="12700" stA="50000" endPos="50000" dist="5000" dir="5400000" sy="-100000" rotWithShape="0"/>
+                </a:effectLst>
+              </a:rPr>
+              <a:t>Solution</a:t>
+            </a:r>
+            <a:r>
+              <a:rPr lang="en-US" sz="2800" b="1" cap="all" dirty="0" smtClean="0">
+                <a:ln w="0"/>
+                <a:solidFill>
+                  <a:schemeClr val="accent6">
+                    <a:lumMod val="75000"/>
+                  </a:schemeClr>
+                </a:solidFill>
+                <a:effectLst>
+                  <a:reflection blurRad="12700" stA="50000" endPos="50000" dist="5000" dir="5400000" sy="-100000" rotWithShape="0"/>
+                </a:effectLst>
+              </a:rPr>
+              <a:t>:</a:t>
+            </a:r>
+            <a:endParaRPr lang="en-US" sz="2000" cap="all" dirty="0">
+              <a:ln w="0"/>
+              <a:gradFill flip="none">
+                <a:gsLst>
+                  <a:gs pos="0">
+                    <a:schemeClr val="accent1">
+                      <a:tint val="75000"/>
+                      <a:shade val="75000"/>
+                      <a:satMod val="170000"/>
+                    </a:schemeClr>
+                  </a:gs>
+                  <a:gs pos="49000">
+                    <a:schemeClr val="accent1">
+                      <a:tint val="88000"/>
+                      <a:shade val="65000"/>
+                      <a:satMod val="172000"/>
+                    </a:schemeClr>
+                  </a:gs>
+                  <a:gs pos="50000">
+                    <a:schemeClr val="accent1">
+                      <a:shade val="65000"/>
+                      <a:satMod val="130000"/>
+                    </a:schemeClr>
+                  </a:gs>
+                  <a:gs pos="92000">
+                    <a:schemeClr val="accent1">
+                      <a:shade val="50000"/>
+                      <a:satMod val="120000"/>
+                    </a:schemeClr>
+                  </a:gs>
+                  <a:gs pos="100000">
+                    <a:schemeClr val="accent1">
+                      <a:shade val="48000"/>
+                      <a:satMod val="120000"/>
+                    </a:schemeClr>
+                  </a:gs>
+                </a:gsLst>
+                <a:lin ang="5400000"/>
+              </a:gradFill>
+              <a:effectLst>
+                <a:reflection blurRad="12700" stA="50000" endPos="50000" dist="5000" dir="5400000" sy="-100000" rotWithShape="0"/>
+              </a:effectLst>
+            </a:endParaRPr>
+          </a:p>
+          <a:p>
+            <a:pPr marL="342900" indent="-342900">
+              <a:buFont typeface="Wingdings" pitchFamily="2" charset="2"/>
+              <a:buChar char="Ø"/>
+            </a:pPr>
+            <a:r>
+              <a:rPr lang="en-US" sz="2400" dirty="0" smtClean="0">
+                <a:ln w="1905"/>
+                <a:effectLst>
+                  <a:innerShdw blurRad="69850" dist="43180" dir="5400000">
+                    <a:srgbClr val="000000">
+                      <a:alpha val="65000"/>
+                    </a:srgbClr>
+                  </a:innerShdw>
+                </a:effectLst>
+              </a:rPr>
+              <a:t>Smart phone app for the general people to get the notifications as “PUSH Notifications”</a:t>
+            </a:r>
+            <a:endParaRPr lang="en-US" sz="2400" dirty="0">
+              <a:ln w="1905"/>
+              <a:effectLst>
+                <a:innerShdw blurRad="69850" dist="43180" dir="5400000">
+                  <a:srgbClr val="000000">
+                    <a:alpha val="65000"/>
+                  </a:srgbClr>
+                </a:innerShdw>
+              </a:effectLst>
+            </a:endParaRPr>
+          </a:p>
+        </p:txBody>
+      </p:sp>
+    </p:spTree>
+    <p:extLst>
+      <p:ext uri="{BB962C8B-B14F-4D97-AF65-F5344CB8AC3E}">
+        <p14:creationId xmlns:p14="http://schemas.microsoft.com/office/powerpoint/2010/main" val="1792663256"/>
+      </p:ext>
+    </p:extLst>
+  </p:cSld>
+  <p:clrMapOvr>
+    <a:masterClrMapping/>
+  </p:clrMapOvr>
+  <mc:AlternateContent xmlns:mc="http://schemas.openxmlformats.org/markup-compatibility/2006" xmlns:p14="http://schemas.microsoft.com/office/powerpoint/2010/main">
+    <mc:Choice Requires="p14">
+      <p:transition spd="slow" p14:dur="1500">
+        <p14:ripple dir="ld"/>
+      </p:transition>
+    </mc:Choice>
+    <mc:Fallback xmlns="">
+      <p:transition spd="slow">
+        <p:fade/>
+      </p:transition>
+    </mc:Fallback>
+  </mc:AlternateContent>
   <p:timing>
     <p:tnLst>
       <p:par>
